--- a/Project0/Reports/Project0_Presentation.pptx
+++ b/Project0/Reports/Project0_Presentation.pptx
@@ -5,7 +5,7 @@
     <p:sldMasterId id="2147483648" r:id="rId1"/>
   </p:sldMasterIdLst>
   <p:notesMasterIdLst>
-    <p:notesMasterId r:id="rId9"/>
+    <p:notesMasterId r:id="rId10"/>
   </p:notesMasterIdLst>
   <p:sldIdLst>
     <p:sldId id="260" r:id="rId2"/>
@@ -15,14 +15,11 @@
     <p:sldId id="264" r:id="rId6"/>
     <p:sldId id="265" r:id="rId7"/>
     <p:sldId id="266" r:id="rId8"/>
+    <p:sldId id="268" r:id="rId9"/>
   </p:sldIdLst>
   <p:sldSz cx="12192000" cy="6858000"/>
   <p:notesSz cx="12192000" cy="6858000"/>
   <p:embeddedFontLst>
-    <p:embeddedFont>
-      <p:font typeface="Cambria Math" panose="02040503050406030204" pitchFamily="18" charset="0"/>
-      <p:regular r:id="rId10"/>
-    </p:embeddedFont>
     <p:embeddedFont>
       <p:font typeface="GEHAIV+FranklinGothic-Book" panose="02000500000000000000" pitchFamily="2" charset="0"/>
       <p:regular r:id="rId11"/>
@@ -563,6 +560,35 @@
           <a:bodyPr/>
           <a:lstStyle/>
           <a:p>
+            <a:pPr marL="0" marR="0" lvl="0" indent="0" algn="l" defTabSz="914400" rtl="0" eaLnBrk="1" fontAlgn="auto" latinLnBrk="0" hangingPunct="1">
+              <a:lnSpc>
+                <a:spcPct val="100000"/>
+              </a:lnSpc>
+              <a:spcBef>
+                <a:spcPts val="0"/>
+              </a:spcBef>
+              <a:spcAft>
+                <a:spcPts val="0"/>
+              </a:spcAft>
+              <a:buClrTx/>
+              <a:buSzTx/>
+              <a:buFontTx/>
+              <a:buNone/>
+              <a:tabLst/>
+              <a:defRPr/>
+            </a:pPr>
+            <a:r>
+              <a:rPr lang="en-US" sz="1200" kern="1200" dirty="0">
+                <a:solidFill>
+                  <a:schemeClr val="tx1"/>
+                </a:solidFill>
+                <a:effectLst/>
+                <a:latin typeface="+mn-lt"/>
+                <a:ea typeface="+mn-ea"/>
+                <a:cs typeface="+mn-cs"/>
+              </a:rPr>
+              <a:t>This project focuses on whether a booklet-based collection method can adequately capture collection times and expected cortisol and DHEA time patterns </a:t>
+            </a:r>
             <a:endParaRPr lang="en-US" dirty="0"/>
           </a:p>
         </p:txBody>
@@ -584,7 +610,7 @@
           <a:p>
             <a:fld id="{8055A014-AA40-5B4A-A5FD-4F58A1D7AE4A}" type="slidenum">
               <a:rPr lang="en-US" smtClean="0"/>
-              <a:t>2</a:t>
+              <a:t>1</a:t>
             </a:fld>
             <a:endParaRPr lang="en-US"/>
           </a:p>
@@ -593,7 +619,7 @@
     </p:spTree>
     <p:extLst>
       <p:ext uri="{BB962C8B-B14F-4D97-AF65-F5344CB8AC3E}">
-        <p14:creationId xmlns:p14="http://schemas.microsoft.com/office/powerpoint/2010/main" val="2469612651"/>
+        <p14:creationId xmlns:p14="http://schemas.microsoft.com/office/powerpoint/2010/main" val="720008482"/>
       </p:ext>
     </p:extLst>
   </p:cSld>
@@ -657,8 +683,19 @@
                 <a:ea typeface="+mn-ea"/>
                 <a:cs typeface="+mn-cs"/>
               </a:rPr>
-              <a:t>One excluded due to repeated DHEA values at the upper detection limit. </a:t>
-            </a:r>
+              <a:t>This project was guided by three research questions: </a:t>
+            </a:r>
+          </a:p>
+          <a:p>
+            <a:endParaRPr lang="en-US" sz="1200" kern="1200" dirty="0">
+              <a:solidFill>
+                <a:schemeClr val="tx1"/>
+              </a:solidFill>
+              <a:effectLst/>
+              <a:latin typeface="+mn-lt"/>
+              <a:ea typeface="+mn-ea"/>
+              <a:cs typeface="+mn-cs"/>
+            </a:endParaRPr>
           </a:p>
           <a:p>
             <a:r>
@@ -671,18 +708,12 @@
                 <a:ea typeface="+mn-ea"/>
                 <a:cs typeface="+mn-cs"/>
               </a:rPr>
-              <a:t>One observation with an implausibly high cortisol value (89.6 nmol/L) was removed, likely reflecting laboratory error.</a:t>
-            </a:r>
-            <a:r>
-              <a:rPr lang="en-US" dirty="0">
-                <a:effectLst/>
-              </a:rPr>
-              <a:t> </a:t>
-            </a:r>
-          </a:p>
-          <a:p>
-            <a:r>
-              <a:rPr lang="en-US" sz="1200" b="0" i="0" u="none" strike="noStrike" kern="1200" dirty="0">
+              <a:t>First, it was asked whether booklet-reported sampling times agreed with the electronic cap times — the statistical question or hypothesis version, is whether booklet minutes since waking are linearly associated with cap-recorded minutes since waking.</a:t>
+            </a:r>
+          </a:p>
+          <a:p>
+            <a:br>
+              <a:rPr lang="en-US" sz="1200" kern="1200" dirty="0">
                 <a:solidFill>
                   <a:schemeClr val="tx1"/>
                 </a:solidFill>
@@ -691,23 +722,9 @@
                 <a:ea typeface="+mn-ea"/>
                 <a:cs typeface="+mn-cs"/>
               </a:rPr>
-              <a:t>values over 80 are likely lab errors and should be excluded.</a:t>
-            </a:r>
-          </a:p>
-          <a:p>
-            <a:endParaRPr lang="en-US" sz="1200" b="0" i="0" u="none" strike="noStrike" kern="1200" dirty="0">
-              <a:solidFill>
-                <a:schemeClr val="tx1"/>
-              </a:solidFill>
-              <a:effectLst/>
-              <a:latin typeface="+mn-lt"/>
-              <a:ea typeface="+mn-ea"/>
-              <a:cs typeface="+mn-cs"/>
-            </a:endParaRPr>
-          </a:p>
-          <a:p>
-            <a:r>
-              <a:rPr lang="en-US" sz="1200" b="0" i="0" u="none" strike="noStrike" kern="1200" dirty="0">
+            </a:br>
+            <a:r>
+              <a:rPr lang="en-US" sz="1200" kern="1200" dirty="0">
                 <a:solidFill>
                   <a:schemeClr val="tx1"/>
                 </a:solidFill>
@@ -716,8 +733,35 @@
                 <a:ea typeface="+mn-ea"/>
                 <a:cs typeface="+mn-cs"/>
               </a:rPr>
-              <a:t>A thing to note is that there’s a lot of variability (or bias) in the recording times between booklet and cap</a:t>
-            </a:r>
+              <a:t>Second, we are looking at whether subjects adhered to the study protocol by calculating the percentage of samples collected within ±7.5 and ±15 minutes of the scheduled post-waking sampling times.</a:t>
+            </a:r>
+          </a:p>
+          <a:p>
+            <a:br>
+              <a:rPr lang="en-US" sz="1200" kern="1200" dirty="0">
+                <a:solidFill>
+                  <a:schemeClr val="tx1"/>
+                </a:solidFill>
+                <a:effectLst/>
+                <a:latin typeface="+mn-lt"/>
+                <a:ea typeface="+mn-ea"/>
+                <a:cs typeface="+mn-cs"/>
+              </a:rPr>
+            </a:br>
+            <a:r>
+              <a:rPr lang="en-US" sz="1200" kern="1200" dirty="0">
+                <a:solidFill>
+                  <a:schemeClr val="tx1"/>
+                </a:solidFill>
+                <a:effectLst/>
+                <a:latin typeface="+mn-lt"/>
+                <a:ea typeface="+mn-ea"/>
+                <a:cs typeface="+mn-cs"/>
+              </a:rPr>
+              <a:t>Finally, we examined whether cortisol and DHEA concentrations showed expected diurnal patterns — namely, an increase shortly after waking followed by a decline over the remainder of the day.</a:t>
+            </a:r>
+          </a:p>
+          <a:p>
             <a:endParaRPr lang="en-US" dirty="0"/>
           </a:p>
         </p:txBody>
@@ -739,7 +783,7 @@
           <a:p>
             <a:fld id="{8055A014-AA40-5B4A-A5FD-4F58A1D7AE4A}" type="slidenum">
               <a:rPr lang="en-US" smtClean="0"/>
-              <a:t>3</a:t>
+              <a:t>2</a:t>
             </a:fld>
             <a:endParaRPr lang="en-US"/>
           </a:p>
@@ -748,7 +792,7 @@
     </p:spTree>
     <p:extLst>
       <p:ext uri="{BB962C8B-B14F-4D97-AF65-F5344CB8AC3E}">
-        <p14:creationId xmlns:p14="http://schemas.microsoft.com/office/powerpoint/2010/main" val="774045196"/>
+        <p14:creationId xmlns:p14="http://schemas.microsoft.com/office/powerpoint/2010/main" val="2469612651"/>
       </p:ext>
     </p:extLst>
   </p:cSld>
@@ -803,27 +847,77 @@
           <a:lstStyle/>
           <a:p>
             <a:r>
-              <a:rPr lang="en-US" dirty="0"/>
-              <a:t>Intercept reflects baseline bias for booklet-time</a:t>
-            </a:r>
-          </a:p>
-          <a:p>
-            <a:r>
-              <a:rPr lang="en-US" dirty="0"/>
-              <a:t>Slope = rate agreement (&lt;1=booklet runs slower)</a:t>
-            </a:r>
-          </a:p>
-          <a:p>
-            <a:r>
-              <a:rPr lang="en-US" dirty="0"/>
-              <a:t>30min– wake to 30min</a:t>
-            </a:r>
-          </a:p>
-          <a:p>
-            <a:r>
-              <a:rPr lang="en-US" dirty="0"/>
-              <a:t>Post-30min = after 30min</a:t>
-            </a:r>
+              <a:rPr lang="en-US" sz="1200" kern="1200" dirty="0">
+                <a:solidFill>
+                  <a:schemeClr val="tx1"/>
+                </a:solidFill>
+                <a:effectLst/>
+                <a:latin typeface="+mn-lt"/>
+                <a:ea typeface="+mn-ea"/>
+                <a:cs typeface="+mn-cs"/>
+              </a:rPr>
+              <a:t>This study cohort included 31 subjects overall but One subject was excluded from the hormone trajectory analysis due to repeated DHEA values at 5.205 nmol/L. One cortisol observation was removed with a value over 80 nmol/L.</a:t>
+            </a:r>
+            <a:br>
+              <a:rPr lang="en-US" sz="1200" kern="1200" dirty="0">
+                <a:solidFill>
+                  <a:schemeClr val="tx1"/>
+                </a:solidFill>
+                <a:effectLst/>
+                <a:latin typeface="+mn-lt"/>
+                <a:ea typeface="+mn-ea"/>
+                <a:cs typeface="+mn-cs"/>
+              </a:rPr>
+            </a:br>
+            <a:endParaRPr lang="en-US" sz="1200" kern="1200" dirty="0">
+              <a:solidFill>
+                <a:schemeClr val="tx1"/>
+              </a:solidFill>
+              <a:effectLst/>
+              <a:latin typeface="+mn-lt"/>
+              <a:ea typeface="+mn-ea"/>
+              <a:cs typeface="+mn-cs"/>
+            </a:endParaRPr>
+          </a:p>
+          <a:p>
+            <a:r>
+              <a:rPr lang="en-US" sz="1200" kern="1200" dirty="0">
+                <a:solidFill>
+                  <a:schemeClr val="tx1"/>
+                </a:solidFill>
+                <a:effectLst/>
+                <a:latin typeface="+mn-lt"/>
+                <a:ea typeface="+mn-ea"/>
+                <a:cs typeface="+mn-cs"/>
+              </a:rPr>
+              <a:t>The hormone concentrations both exhibited right-skewness as indicated in this table where the means were greater than the medians - so they were log-transformed for analyses</a:t>
+            </a:r>
+          </a:p>
+          <a:p>
+            <a:endParaRPr lang="en-US" sz="1200" kern="1200" dirty="0">
+              <a:solidFill>
+                <a:schemeClr val="tx1"/>
+              </a:solidFill>
+              <a:effectLst/>
+              <a:latin typeface="+mn-lt"/>
+              <a:ea typeface="+mn-ea"/>
+              <a:cs typeface="+mn-cs"/>
+            </a:endParaRPr>
+          </a:p>
+          <a:p>
+            <a:r>
+              <a:rPr lang="en-US" sz="1200" kern="1200" dirty="0">
+                <a:solidFill>
+                  <a:schemeClr val="tx1"/>
+                </a:solidFill>
+                <a:effectLst/>
+                <a:latin typeface="+mn-lt"/>
+                <a:ea typeface="+mn-ea"/>
+                <a:cs typeface="+mn-cs"/>
+              </a:rPr>
+              <a:t>and In terms of recorded times, the booklet had fewer missing values than cap times — about 9% missing for booklet versus 16% for cap — which led me to use booklet times for the trajectory analysis</a:t>
+            </a:r>
+            <a:endParaRPr lang="en-US" dirty="0"/>
           </a:p>
         </p:txBody>
       </p:sp>
@@ -844,7 +938,7 @@
           <a:p>
             <a:fld id="{8055A014-AA40-5B4A-A5FD-4F58A1D7AE4A}" type="slidenum">
               <a:rPr lang="en-US" smtClean="0"/>
-              <a:t>4</a:t>
+              <a:t>3</a:t>
             </a:fld>
             <a:endParaRPr lang="en-US"/>
           </a:p>
@@ -853,7 +947,7 @@
     </p:spTree>
     <p:extLst>
       <p:ext uri="{BB962C8B-B14F-4D97-AF65-F5344CB8AC3E}">
-        <p14:creationId xmlns:p14="http://schemas.microsoft.com/office/powerpoint/2010/main" val="1144915537"/>
+        <p14:creationId xmlns:p14="http://schemas.microsoft.com/office/powerpoint/2010/main" val="774045196"/>
       </p:ext>
     </p:extLst>
   </p:cSld>
@@ -908,15 +1002,88 @@
           <a:lstStyle/>
           <a:p>
             <a:r>
-              <a:rPr lang="en-US" dirty="0"/>
-              <a:t>On average, the intercept suggested that booklet-recorded times were about 6-7min earlier</a:t>
-            </a:r>
-          </a:p>
-          <a:p>
-            <a:r>
-              <a:rPr lang="en-US" dirty="0"/>
-              <a:t>The slope close to 1 indicates that booklet times closely followed cap recorded times</a:t>
-            </a:r>
+              <a:rPr lang="en-US" sz="1200" kern="1200" dirty="0">
+                <a:solidFill>
+                  <a:schemeClr val="tx1"/>
+                </a:solidFill>
+                <a:effectLst/>
+                <a:latin typeface="+mn-lt"/>
+                <a:ea typeface="+mn-ea"/>
+                <a:cs typeface="+mn-cs"/>
+              </a:rPr>
+              <a:t>Agreement between booklet and cap timing was assessed using a linear mixed-effects model with a subject-specific random intercept. </a:t>
+            </a:r>
+          </a:p>
+          <a:p>
+            <a:pPr marL="171450" indent="-171450">
+              <a:buFont typeface="Arial" panose="020B0604020202020204" pitchFamily="34" charset="0"/>
+              <a:buChar char="•"/>
+            </a:pPr>
+            <a:r>
+              <a:rPr lang="en-US" sz="1200" kern="1200" dirty="0">
+                <a:solidFill>
+                  <a:schemeClr val="tx1"/>
+                </a:solidFill>
+                <a:effectLst/>
+                <a:latin typeface="+mn-lt"/>
+                <a:ea typeface="+mn-ea"/>
+                <a:cs typeface="+mn-cs"/>
+              </a:rPr>
+              <a:t>Book minutes since waking were regressed on cap minutes since waking, with both measures using sleep diary–reported wake time as reference.</a:t>
+            </a:r>
+          </a:p>
+          <a:p>
+            <a:br>
+              <a:rPr lang="en-US" sz="1200" kern="1200" dirty="0">
+                <a:solidFill>
+                  <a:schemeClr val="tx1"/>
+                </a:solidFill>
+                <a:effectLst/>
+                <a:latin typeface="+mn-lt"/>
+                <a:ea typeface="+mn-ea"/>
+                <a:cs typeface="+mn-cs"/>
+              </a:rPr>
+            </a:br>
+            <a:r>
+              <a:rPr lang="en-US" sz="1200" kern="1200" dirty="0">
+                <a:solidFill>
+                  <a:schemeClr val="tx1"/>
+                </a:solidFill>
+                <a:effectLst/>
+                <a:latin typeface="+mn-lt"/>
+                <a:ea typeface="+mn-ea"/>
+                <a:cs typeface="+mn-cs"/>
+              </a:rPr>
+              <a:t>Adherence was summarized as the proportion of samples collected within ±7.5 and ±15 minutes of scheduled collection times.</a:t>
+            </a:r>
+          </a:p>
+          <a:p>
+            <a:br>
+              <a:rPr lang="en-US" sz="1200" kern="1200" dirty="0">
+                <a:solidFill>
+                  <a:schemeClr val="tx1"/>
+                </a:solidFill>
+                <a:effectLst/>
+                <a:latin typeface="+mn-lt"/>
+                <a:ea typeface="+mn-ea"/>
+                <a:cs typeface="+mn-cs"/>
+              </a:rPr>
+            </a:br>
+            <a:r>
+              <a:rPr lang="en-US" sz="1200" kern="1200" dirty="0">
+                <a:solidFill>
+                  <a:schemeClr val="tx1"/>
+                </a:solidFill>
+                <a:effectLst/>
+                <a:latin typeface="+mn-lt"/>
+                <a:ea typeface="+mn-ea"/>
+                <a:cs typeface="+mn-cs"/>
+              </a:rPr>
+              <a:t>To evaluate changes in cortisol and DHEA over time, a piece-wise linear mixed-effects models was fit with a knot at 30 minutes post-waking. Again, I used booklet-record times because there were fewer missing values</a:t>
+            </a:r>
+          </a:p>
+          <a:p>
+            <a:endParaRPr lang="en-US" dirty="0"/>
           </a:p>
         </p:txBody>
       </p:sp>
@@ -937,7 +1104,7 @@
           <a:p>
             <a:fld id="{8055A014-AA40-5B4A-A5FD-4F58A1D7AE4A}" type="slidenum">
               <a:rPr lang="en-US" smtClean="0"/>
-              <a:t>5</a:t>
+              <a:t>4</a:t>
             </a:fld>
             <a:endParaRPr lang="en-US"/>
           </a:p>
@@ -946,7 +1113,7 @@
     </p:spTree>
     <p:extLst>
       <p:ext uri="{BB962C8B-B14F-4D97-AF65-F5344CB8AC3E}">
-        <p14:creationId xmlns:p14="http://schemas.microsoft.com/office/powerpoint/2010/main" val="826435084"/>
+        <p14:creationId xmlns:p14="http://schemas.microsoft.com/office/powerpoint/2010/main" val="1144915537"/>
       </p:ext>
     </p:extLst>
   </p:cSld>
@@ -1000,6 +1167,77 @@
           <a:bodyPr/>
           <a:lstStyle/>
           <a:p>
+            <a:r>
+              <a:rPr lang="en-US" sz="1200" kern="1200" dirty="0">
+                <a:solidFill>
+                  <a:schemeClr val="tx1"/>
+                </a:solidFill>
+                <a:effectLst/>
+                <a:latin typeface="+mn-lt"/>
+                <a:ea typeface="+mn-ea"/>
+                <a:cs typeface="+mn-cs"/>
+              </a:rPr>
+              <a:t>Agreement results showed strong linear agreement between booklet- and cap-recorded times as shown by the scatterplot. Red dotted-line is perfect agreement and solid line is model line</a:t>
+            </a:r>
+          </a:p>
+          <a:p>
+            <a:endParaRPr lang="en-US" sz="1200" kern="1200" dirty="0">
+              <a:solidFill>
+                <a:schemeClr val="tx1"/>
+              </a:solidFill>
+              <a:effectLst/>
+              <a:latin typeface="+mn-lt"/>
+              <a:ea typeface="+mn-ea"/>
+              <a:cs typeface="+mn-cs"/>
+            </a:endParaRPr>
+          </a:p>
+          <a:p>
+            <a:r>
+              <a:rPr lang="en-US" sz="1200" kern="1200" dirty="0">
+                <a:solidFill>
+                  <a:schemeClr val="tx1"/>
+                </a:solidFill>
+                <a:effectLst/>
+                <a:latin typeface="+mn-lt"/>
+                <a:ea typeface="+mn-ea"/>
+                <a:cs typeface="+mn-cs"/>
+              </a:rPr>
+              <a:t>The intercept indicated there was some bias where booklet times were recorded about 6 to 7 minutes earlier than cap times on average.</a:t>
+            </a:r>
+            <a:br>
+              <a:rPr lang="en-US" sz="1200" kern="1200" dirty="0">
+                <a:solidFill>
+                  <a:schemeClr val="tx1"/>
+                </a:solidFill>
+                <a:effectLst/>
+                <a:latin typeface="+mn-lt"/>
+                <a:ea typeface="+mn-ea"/>
+                <a:cs typeface="+mn-cs"/>
+              </a:rPr>
+            </a:br>
+            <a:endParaRPr lang="en-US" sz="1200" kern="1200" dirty="0">
+              <a:solidFill>
+                <a:schemeClr val="tx1"/>
+              </a:solidFill>
+              <a:effectLst/>
+              <a:latin typeface="+mn-lt"/>
+              <a:ea typeface="+mn-ea"/>
+              <a:cs typeface="+mn-cs"/>
+            </a:endParaRPr>
+          </a:p>
+          <a:p>
+            <a:r>
+              <a:rPr lang="en-US" sz="1200" kern="1200" dirty="0">
+                <a:solidFill>
+                  <a:schemeClr val="tx1"/>
+                </a:solidFill>
+                <a:effectLst/>
+                <a:latin typeface="+mn-lt"/>
+                <a:ea typeface="+mn-ea"/>
+                <a:cs typeface="+mn-cs"/>
+              </a:rPr>
+              <a:t>As for Adherence - it varied by collection time and window-threshold. In general, Booklet times outperformed Cap times and there was better adherence at the 30min sample time with the larger window-threshold</a:t>
+            </a:r>
             <a:endParaRPr lang="en-US" dirty="0"/>
           </a:p>
         </p:txBody>
@@ -1021,6 +1259,139 @@
           <a:p>
             <a:fld id="{8055A014-AA40-5B4A-A5FD-4F58A1D7AE4A}" type="slidenum">
               <a:rPr lang="en-US" smtClean="0"/>
+              <a:t>5</a:t>
+            </a:fld>
+            <a:endParaRPr lang="en-US"/>
+          </a:p>
+        </p:txBody>
+      </p:sp>
+    </p:spTree>
+    <p:extLst>
+      <p:ext uri="{BB962C8B-B14F-4D97-AF65-F5344CB8AC3E}">
+        <p14:creationId xmlns:p14="http://schemas.microsoft.com/office/powerpoint/2010/main" val="826435084"/>
+      </p:ext>
+    </p:extLst>
+  </p:cSld>
+  <p:clrMapOvr>
+    <a:masterClrMapping/>
+  </p:clrMapOvr>
+</p:notes>
+</file>
+
+<file path=ppt/notesSlides/notesSlide6.xml><?xml version="1.0" encoding="utf-8"?>
+<p:notes xmlns:a="http://schemas.openxmlformats.org/drawingml/2006/main" xmlns:r="http://schemas.openxmlformats.org/officeDocument/2006/relationships" xmlns:p="http://schemas.openxmlformats.org/presentationml/2006/main">
+  <p:cSld>
+    <p:spTree>
+      <p:nvGrpSpPr>
+        <p:cNvPr id="1" name=""/>
+        <p:cNvGrpSpPr/>
+        <p:nvPr/>
+      </p:nvGrpSpPr>
+      <p:grpSpPr>
+        <a:xfrm>
+          <a:off x="0" y="0"/>
+          <a:ext cx="0" cy="0"/>
+          <a:chOff x="0" y="0"/>
+          <a:chExt cx="0" cy="0"/>
+        </a:xfrm>
+      </p:grpSpPr>
+      <p:sp>
+        <p:nvSpPr>
+          <p:cNvPr id="2" name="Slide Image Placeholder 1"/>
+          <p:cNvSpPr>
+            <a:spLocks noGrp="1" noRot="1" noChangeAspect="1"/>
+          </p:cNvSpPr>
+          <p:nvPr>
+            <p:ph type="sldImg"/>
+          </p:nvPr>
+        </p:nvSpPr>
+        <p:spPr/>
+      </p:sp>
+      <p:sp>
+        <p:nvSpPr>
+          <p:cNvPr id="3" name="Notes Placeholder 2"/>
+          <p:cNvSpPr>
+            <a:spLocks noGrp="1"/>
+          </p:cNvSpPr>
+          <p:nvPr>
+            <p:ph type="body" idx="1"/>
+          </p:nvPr>
+        </p:nvSpPr>
+        <p:spPr/>
+        <p:txBody>
+          <a:bodyPr/>
+          <a:lstStyle/>
+          <a:p>
+            <a:pPr marL="171450" indent="-171450">
+              <a:buFont typeface="Arial" panose="020B0604020202020204" pitchFamily="34" charset="0"/>
+              <a:buChar char="•"/>
+            </a:pPr>
+            <a:r>
+              <a:rPr lang="en-US" sz="1200" kern="1200" dirty="0">
+                <a:solidFill>
+                  <a:schemeClr val="tx1"/>
+                </a:solidFill>
+                <a:effectLst/>
+                <a:latin typeface="+mn-lt"/>
+                <a:ea typeface="+mn-ea"/>
+                <a:cs typeface="+mn-cs"/>
+              </a:rPr>
+              <a:t>For the time trends, Cortisol and DHEA showed distinct diurnal patterns for the first 30min after waking. Cortisol levels increased by approximately 0.6% per minute or about 20% cumulatively, while DHEA levels decreased by 1.8% per minute</a:t>
+            </a:r>
+          </a:p>
+          <a:p>
+            <a:pPr marL="171450" indent="-171450">
+              <a:buFont typeface="Arial" panose="020B0604020202020204" pitchFamily="34" charset="0"/>
+              <a:buChar char="•"/>
+            </a:pPr>
+            <a:endParaRPr lang="en-US" sz="1200" kern="1200" dirty="0">
+              <a:solidFill>
+                <a:schemeClr val="tx1"/>
+              </a:solidFill>
+              <a:effectLst/>
+              <a:latin typeface="+mn-lt"/>
+              <a:ea typeface="+mn-ea"/>
+              <a:cs typeface="+mn-cs"/>
+            </a:endParaRPr>
+          </a:p>
+          <a:p>
+            <a:pPr marL="171450" indent="-171450">
+              <a:buFont typeface="Arial" panose="020B0604020202020204" pitchFamily="34" charset="0"/>
+              <a:buChar char="•"/>
+            </a:pPr>
+            <a:r>
+              <a:rPr lang="en-US" sz="1200" kern="1200" dirty="0">
+                <a:solidFill>
+                  <a:schemeClr val="tx1"/>
+                </a:solidFill>
+                <a:effectLst/>
+                <a:latin typeface="+mn-lt"/>
+                <a:ea typeface="+mn-ea"/>
+                <a:cs typeface="+mn-cs"/>
+              </a:rPr>
+              <a:t>After 30 minutes, cortisol levels declined steadily at approximately 12.5% per hour and DHEA at about 8.9% per hour, on average</a:t>
+            </a:r>
+            <a:endParaRPr lang="en-US" dirty="0"/>
+          </a:p>
+        </p:txBody>
+      </p:sp>
+      <p:sp>
+        <p:nvSpPr>
+          <p:cNvPr id="4" name="Slide Number Placeholder 3"/>
+          <p:cNvSpPr>
+            <a:spLocks noGrp="1"/>
+          </p:cNvSpPr>
+          <p:nvPr>
+            <p:ph type="sldNum" sz="quarter" idx="5"/>
+          </p:nvPr>
+        </p:nvSpPr>
+        <p:spPr/>
+        <p:txBody>
+          <a:bodyPr/>
+          <a:lstStyle/>
+          <a:p>
+            <a:fld id="{8055A014-AA40-5B4A-A5FD-4F58A1D7AE4A}" type="slidenum">
+              <a:rPr lang="en-US" smtClean="0"/>
               <a:t>6</a:t>
             </a:fld>
             <a:endParaRPr lang="en-US"/>
@@ -1031,6 +1402,358 @@
     <p:extLst>
       <p:ext uri="{BB962C8B-B14F-4D97-AF65-F5344CB8AC3E}">
         <p14:creationId xmlns:p14="http://schemas.microsoft.com/office/powerpoint/2010/main" val="3152127465"/>
+      </p:ext>
+    </p:extLst>
+  </p:cSld>
+  <p:clrMapOvr>
+    <a:masterClrMapping/>
+  </p:clrMapOvr>
+</p:notes>
+</file>
+
+<file path=ppt/notesSlides/notesSlide7.xml><?xml version="1.0" encoding="utf-8"?>
+<p:notes xmlns:a="http://schemas.openxmlformats.org/drawingml/2006/main" xmlns:r="http://schemas.openxmlformats.org/officeDocument/2006/relationships" xmlns:p="http://schemas.openxmlformats.org/presentationml/2006/main">
+  <p:cSld>
+    <p:spTree>
+      <p:nvGrpSpPr>
+        <p:cNvPr id="1" name=""/>
+        <p:cNvGrpSpPr/>
+        <p:nvPr/>
+      </p:nvGrpSpPr>
+      <p:grpSpPr>
+        <a:xfrm>
+          <a:off x="0" y="0"/>
+          <a:ext cx="0" cy="0"/>
+          <a:chOff x="0" y="0"/>
+          <a:chExt cx="0" cy="0"/>
+        </a:xfrm>
+      </p:grpSpPr>
+      <p:sp>
+        <p:nvSpPr>
+          <p:cNvPr id="2" name="Slide Image Placeholder 1"/>
+          <p:cNvSpPr>
+            <a:spLocks noGrp="1" noRot="1" noChangeAspect="1"/>
+          </p:cNvSpPr>
+          <p:nvPr>
+            <p:ph type="sldImg"/>
+          </p:nvPr>
+        </p:nvSpPr>
+        <p:spPr/>
+      </p:sp>
+      <p:sp>
+        <p:nvSpPr>
+          <p:cNvPr id="3" name="Notes Placeholder 2"/>
+          <p:cNvSpPr>
+            <a:spLocks noGrp="1"/>
+          </p:cNvSpPr>
+          <p:nvPr>
+            <p:ph type="body" idx="1"/>
+          </p:nvPr>
+        </p:nvSpPr>
+        <p:spPr/>
+        <p:txBody>
+          <a:bodyPr/>
+          <a:lstStyle/>
+          <a:p>
+            <a:r>
+              <a:rPr lang="en-US" sz="1200" kern="1200" dirty="0">
+                <a:solidFill>
+                  <a:schemeClr val="tx1"/>
+                </a:solidFill>
+                <a:effectLst/>
+                <a:latin typeface="+mn-lt"/>
+                <a:ea typeface="+mn-ea"/>
+                <a:cs typeface="+mn-cs"/>
+              </a:rPr>
+              <a:t>In summary, booklet-recorded times closely tracked cap times, with booklet times tending to be recorded earlier. </a:t>
+            </a:r>
+          </a:p>
+          <a:p>
+            <a:endParaRPr lang="en-US" sz="1200" kern="1200" dirty="0">
+              <a:solidFill>
+                <a:schemeClr val="tx1"/>
+              </a:solidFill>
+              <a:effectLst/>
+              <a:latin typeface="+mn-lt"/>
+              <a:ea typeface="+mn-ea"/>
+              <a:cs typeface="+mn-cs"/>
+            </a:endParaRPr>
+          </a:p>
+          <a:p>
+            <a:r>
+              <a:rPr lang="en-US" sz="1200" kern="1200" dirty="0">
+                <a:solidFill>
+                  <a:schemeClr val="tx1"/>
+                </a:solidFill>
+                <a:effectLst/>
+                <a:latin typeface="+mn-lt"/>
+                <a:ea typeface="+mn-ea"/>
+                <a:cs typeface="+mn-cs"/>
+              </a:rPr>
+              <a:t>Adherence to protocol-defined windows varied by sample and threshold, with lower adherence being observed for later collections and tighter windows, </a:t>
+            </a:r>
+          </a:p>
+          <a:p>
+            <a:pPr marL="171450" indent="-171450">
+              <a:buFont typeface="Arial" panose="020B0604020202020204" pitchFamily="34" charset="0"/>
+              <a:buChar char="•"/>
+            </a:pPr>
+            <a:r>
+              <a:rPr lang="en-US" sz="1200" kern="1200" dirty="0">
+                <a:solidFill>
+                  <a:schemeClr val="tx1"/>
+                </a:solidFill>
+                <a:effectLst/>
+                <a:latin typeface="+mn-lt"/>
+                <a:ea typeface="+mn-ea"/>
+                <a:cs typeface="+mn-cs"/>
+              </a:rPr>
+              <a:t>booklet-based timing showed higher adherence as compared to cap-based timing.</a:t>
+            </a:r>
+          </a:p>
+          <a:p>
+            <a:pPr marL="171450" indent="-171450">
+              <a:buFont typeface="Arial" panose="020B0604020202020204" pitchFamily="34" charset="0"/>
+              <a:buChar char="•"/>
+            </a:pPr>
+            <a:endParaRPr lang="en-US" sz="1200" kern="1200" dirty="0">
+              <a:solidFill>
+                <a:schemeClr val="tx1"/>
+              </a:solidFill>
+              <a:effectLst/>
+              <a:latin typeface="+mn-lt"/>
+              <a:ea typeface="+mn-ea"/>
+              <a:cs typeface="+mn-cs"/>
+            </a:endParaRPr>
+          </a:p>
+          <a:p>
+            <a:pPr marL="0" indent="0">
+              <a:buFont typeface="Arial" panose="020B0604020202020204" pitchFamily="34" charset="0"/>
+              <a:buNone/>
+            </a:pPr>
+            <a:r>
+              <a:rPr lang="en-US" sz="1200" kern="1200" dirty="0">
+                <a:solidFill>
+                  <a:schemeClr val="tx1"/>
+                </a:solidFill>
+                <a:effectLst/>
+                <a:latin typeface="+mn-lt"/>
+                <a:ea typeface="+mn-ea"/>
+                <a:cs typeface="+mn-cs"/>
+              </a:rPr>
+              <a:t>Cortisol and DHEA showed opposite rates of change during the first 30min of waking but based on prior literature this is to be expected.</a:t>
+            </a:r>
+          </a:p>
+          <a:p>
+            <a:endParaRPr lang="en-US" sz="1200" kern="1200" dirty="0">
+              <a:solidFill>
+                <a:schemeClr val="tx1"/>
+              </a:solidFill>
+              <a:effectLst/>
+              <a:latin typeface="+mn-lt"/>
+              <a:ea typeface="+mn-ea"/>
+              <a:cs typeface="+mn-cs"/>
+            </a:endParaRPr>
+          </a:p>
+          <a:p>
+            <a:r>
+              <a:rPr lang="en-US" sz="1200" kern="1200" dirty="0">
+                <a:solidFill>
+                  <a:schemeClr val="tx1"/>
+                </a:solidFill>
+                <a:effectLst/>
+                <a:latin typeface="+mn-lt"/>
+                <a:ea typeface="+mn-ea"/>
+                <a:cs typeface="+mn-cs"/>
+              </a:rPr>
+              <a:t>which when taken all these points together, I believe these conclusion supports the feasibility of this type of collection method when studying hormone time patterns.</a:t>
+            </a:r>
+            <a:br>
+              <a:rPr lang="en-US" sz="1200" kern="1200" dirty="0">
+                <a:solidFill>
+                  <a:schemeClr val="tx1"/>
+                </a:solidFill>
+                <a:effectLst/>
+                <a:latin typeface="+mn-lt"/>
+                <a:ea typeface="+mn-ea"/>
+                <a:cs typeface="+mn-cs"/>
+              </a:rPr>
+            </a:br>
+            <a:endParaRPr lang="en-US" sz="1200" kern="1200" dirty="0">
+              <a:solidFill>
+                <a:schemeClr val="tx1"/>
+              </a:solidFill>
+              <a:effectLst/>
+              <a:latin typeface="+mn-lt"/>
+              <a:ea typeface="+mn-ea"/>
+              <a:cs typeface="+mn-cs"/>
+            </a:endParaRPr>
+          </a:p>
+          <a:p>
+            <a:r>
+              <a:rPr lang="en-US" sz="1200" kern="1200" dirty="0">
+                <a:solidFill>
+                  <a:schemeClr val="tx1"/>
+                </a:solidFill>
+                <a:effectLst/>
+                <a:latin typeface="+mn-lt"/>
+                <a:ea typeface="+mn-ea"/>
+                <a:cs typeface="+mn-cs"/>
+              </a:rPr>
+              <a:t>But there are Key limitations of this analysis including missing data, which can bias some of the results if there’s some dependency on unobserved data and the use of a simple mixed-effects models, when evaluating agreement between the two collection methods, which can not fully capture variability across the four collection samples </a:t>
+            </a:r>
+          </a:p>
+          <a:p>
+            <a:endParaRPr lang="en-US" sz="1200" kern="1200" dirty="0">
+              <a:solidFill>
+                <a:schemeClr val="tx1"/>
+              </a:solidFill>
+              <a:effectLst/>
+              <a:latin typeface="+mn-lt"/>
+              <a:ea typeface="+mn-ea"/>
+              <a:cs typeface="+mn-cs"/>
+            </a:endParaRPr>
+          </a:p>
+          <a:p>
+            <a:endParaRPr lang="en-US" dirty="0"/>
+          </a:p>
+        </p:txBody>
+      </p:sp>
+      <p:sp>
+        <p:nvSpPr>
+          <p:cNvPr id="4" name="Slide Number Placeholder 3"/>
+          <p:cNvSpPr>
+            <a:spLocks noGrp="1"/>
+          </p:cNvSpPr>
+          <p:nvPr>
+            <p:ph type="sldNum" sz="quarter" idx="5"/>
+          </p:nvPr>
+        </p:nvSpPr>
+        <p:spPr/>
+        <p:txBody>
+          <a:bodyPr/>
+          <a:lstStyle/>
+          <a:p>
+            <a:fld id="{8055A014-AA40-5B4A-A5FD-4F58A1D7AE4A}" type="slidenum">
+              <a:rPr lang="en-US" smtClean="0"/>
+              <a:t>7</a:t>
+            </a:fld>
+            <a:endParaRPr lang="en-US"/>
+          </a:p>
+        </p:txBody>
+      </p:sp>
+    </p:spTree>
+    <p:extLst>
+      <p:ext uri="{BB962C8B-B14F-4D97-AF65-F5344CB8AC3E}">
+        <p14:creationId xmlns:p14="http://schemas.microsoft.com/office/powerpoint/2010/main" val="400297823"/>
+      </p:ext>
+    </p:extLst>
+  </p:cSld>
+  <p:clrMapOvr>
+    <a:masterClrMapping/>
+  </p:clrMapOvr>
+</p:notes>
+</file>
+
+<file path=ppt/notesSlides/notesSlide8.xml><?xml version="1.0" encoding="utf-8"?>
+<p:notes xmlns:a="http://schemas.openxmlformats.org/drawingml/2006/main" xmlns:r="http://schemas.openxmlformats.org/officeDocument/2006/relationships" xmlns:p="http://schemas.openxmlformats.org/presentationml/2006/main">
+  <p:cSld>
+    <p:spTree>
+      <p:nvGrpSpPr>
+        <p:cNvPr id="1" name="">
+          <a:extLst>
+            <a:ext uri="{FF2B5EF4-FFF2-40B4-BE49-F238E27FC236}">
+              <a16:creationId xmlns:a16="http://schemas.microsoft.com/office/drawing/2014/main" id="{04425F0F-4A3E-91AD-E16E-98D9A528F006}"/>
+            </a:ext>
+          </a:extLst>
+        </p:cNvPr>
+        <p:cNvGrpSpPr/>
+        <p:nvPr/>
+      </p:nvGrpSpPr>
+      <p:grpSpPr>
+        <a:xfrm>
+          <a:off x="0" y="0"/>
+          <a:ext cx="0" cy="0"/>
+          <a:chOff x="0" y="0"/>
+          <a:chExt cx="0" cy="0"/>
+        </a:xfrm>
+      </p:grpSpPr>
+      <p:sp>
+        <p:nvSpPr>
+          <p:cNvPr id="2" name="Slide Image Placeholder 1">
+            <a:extLst>
+              <a:ext uri="{FF2B5EF4-FFF2-40B4-BE49-F238E27FC236}">
+                <a16:creationId xmlns:a16="http://schemas.microsoft.com/office/drawing/2014/main" id="{74F0BDD6-AFAC-C596-67AD-FEDCD0760482}"/>
+              </a:ext>
+            </a:extLst>
+          </p:cNvPr>
+          <p:cNvSpPr>
+            <a:spLocks noGrp="1" noRot="1" noChangeAspect="1"/>
+          </p:cNvSpPr>
+          <p:nvPr>
+            <p:ph type="sldImg"/>
+          </p:nvPr>
+        </p:nvSpPr>
+        <p:spPr/>
+      </p:sp>
+      <p:sp>
+        <p:nvSpPr>
+          <p:cNvPr id="3" name="Notes Placeholder 2">
+            <a:extLst>
+              <a:ext uri="{FF2B5EF4-FFF2-40B4-BE49-F238E27FC236}">
+                <a16:creationId xmlns:a16="http://schemas.microsoft.com/office/drawing/2014/main" id="{57BB4C0D-9641-AF43-4F3D-7FDC3D362573}"/>
+              </a:ext>
+            </a:extLst>
+          </p:cNvPr>
+          <p:cNvSpPr>
+            <a:spLocks noGrp="1"/>
+          </p:cNvSpPr>
+          <p:nvPr>
+            <p:ph type="body" idx="1"/>
+          </p:nvPr>
+        </p:nvSpPr>
+        <p:spPr/>
+        <p:txBody>
+          <a:bodyPr/>
+          <a:lstStyle/>
+          <a:p>
+            <a:endParaRPr lang="en-US" dirty="0"/>
+          </a:p>
+        </p:txBody>
+      </p:sp>
+      <p:sp>
+        <p:nvSpPr>
+          <p:cNvPr id="4" name="Slide Number Placeholder 3">
+            <a:extLst>
+              <a:ext uri="{FF2B5EF4-FFF2-40B4-BE49-F238E27FC236}">
+                <a16:creationId xmlns:a16="http://schemas.microsoft.com/office/drawing/2014/main" id="{9E3CD55F-E4E4-1E38-4F28-CBC2A8648E19}"/>
+              </a:ext>
+            </a:extLst>
+          </p:cNvPr>
+          <p:cNvSpPr>
+            <a:spLocks noGrp="1"/>
+          </p:cNvSpPr>
+          <p:nvPr>
+            <p:ph type="sldNum" sz="quarter" idx="5"/>
+          </p:nvPr>
+        </p:nvSpPr>
+        <p:spPr/>
+        <p:txBody>
+          <a:bodyPr/>
+          <a:lstStyle/>
+          <a:p>
+            <a:fld id="{8055A014-AA40-5B4A-A5FD-4F58A1D7AE4A}" type="slidenum">
+              <a:rPr lang="en-US" smtClean="0"/>
+              <a:t>8</a:t>
+            </a:fld>
+            <a:endParaRPr lang="en-US"/>
+          </a:p>
+        </p:txBody>
+      </p:sp>
+    </p:spTree>
+    <p:extLst>
+      <p:ext uri="{BB962C8B-B14F-4D97-AF65-F5344CB8AC3E}">
+        <p14:creationId xmlns:p14="http://schemas.microsoft.com/office/powerpoint/2010/main" val="466939416"/>
       </p:ext>
     </p:extLst>
   </p:cSld>
@@ -1600,7 +2323,7 @@
             <a:avLst/>
           </a:prstGeom>
           <a:blipFill>
-            <a:blip r:embed="rId2" cstate="print"/>
+            <a:blip r:embed="rId3" cstate="print"/>
             <a:stretch>
               <a:fillRect/>
             </a:stretch>
@@ -1624,8 +2347,8 @@
         </p:nvSpPr>
         <p:spPr>
           <a:xfrm>
-            <a:off x="-1320824" y="1453331"/>
-            <a:ext cx="12889432" cy="1975669"/>
+            <a:off x="-240704" y="1453331"/>
+            <a:ext cx="10729192" cy="1975669"/>
           </a:xfrm>
           <a:prstGeom prst="rect">
             <a:avLst/>
@@ -1892,7 +2615,7 @@
         <p:spPr>
           <a:xfrm>
             <a:off x="1719560" y="1004829"/>
-            <a:ext cx="7416824" cy="5757987"/>
+            <a:ext cx="8408888" cy="5475858"/>
           </a:xfrm>
           <a:prstGeom prst="rect">
             <a:avLst/>
@@ -1913,7 +2636,7 @@
               <a:buChar char="q"/>
             </a:pPr>
             <a:r>
-              <a:rPr lang="en-US" b="1" dirty="0">
+              <a:rPr lang="en-US" sz="2000" b="1" dirty="0">
                 <a:solidFill>
                   <a:srgbClr val="181A0D"/>
                 </a:solidFill>
@@ -1921,10 +2644,10 @@
               <a:t>What </a:t>
             </a:r>
             <a:r>
-              <a:rPr lang="en-US" b="1" dirty="0"/>
+              <a:rPr lang="en-US" sz="2000" b="1" dirty="0"/>
               <a:t>is the agreement between the subject’s Booklet-reported sampling times and by electronic monitoring cap?</a:t>
             </a:r>
-            <a:endParaRPr lang="en-US" b="1" dirty="0">
+            <a:endParaRPr lang="en-US" sz="2000" b="1" dirty="0">
               <a:solidFill>
                 <a:srgbClr val="181A0D"/>
               </a:solidFill>
@@ -1939,23 +2662,122 @@
               <a:buChar char="Ø"/>
             </a:pPr>
             <a:r>
-              <a:rPr lang="en-US" dirty="0">
+              <a:rPr lang="en-US" sz="2000" i="1" dirty="0">
                 <a:solidFill>
                   <a:srgbClr val="181A0D"/>
                 </a:solidFill>
                 <a:cs typeface="OAGDQN+FranklinGothic-BookItalic"/>
               </a:rPr>
-              <a:t>Booklet-reported minutes since waking are linearly associated with electronic recorded cap minutes since waking</a:t>
+              <a:t>Hypothesis</a:t>
+            </a:r>
+            <a:r>
+              <a:rPr lang="en-US" sz="2000" dirty="0">
+                <a:solidFill>
+                  <a:srgbClr val="181A0D"/>
+                </a:solidFill>
+                <a:cs typeface="OAGDQN+FranklinGothic-BookItalic"/>
+              </a:rPr>
+              <a:t>: Booklet-reported minutes since waking are linearly associated with electronic recorded cap minutes since waking</a:t>
+            </a:r>
+          </a:p>
+          <a:p>
+            <a:pPr lvl="1">
+              <a:lnSpc>
+                <a:spcPts val="2258"/>
+              </a:lnSpc>
+            </a:pPr>
+            <a:endParaRPr lang="en-US" sz="2000" dirty="0">
+              <a:solidFill>
+                <a:srgbClr val="181A0D"/>
+              </a:solidFill>
+              <a:cs typeface="OAGDQN+FranklinGothic-BookItalic"/>
+            </a:endParaRPr>
+          </a:p>
+          <a:p>
+            <a:pPr marL="285750" indent="-285750">
+              <a:buFont typeface="Wingdings" pitchFamily="2" charset="2"/>
+              <a:buChar char="q"/>
+            </a:pPr>
+            <a:r>
+              <a:rPr lang="en-US" sz="2000" b="1" dirty="0"/>
+              <a:t>Are subjects adhering to +30min &amp; +600min sampling times required by study protocol?</a:t>
             </a:r>
           </a:p>
           <a:p>
             <a:pPr marL="742950" lvl="1" indent="-285750">
-              <a:lnSpc>
-                <a:spcPts val="2258"/>
-              </a:lnSpc>
               <a:buFont typeface="Wingdings" pitchFamily="2" charset="2"/>
               <a:buChar char="Ø"/>
             </a:pPr>
+            <a:r>
+              <a:rPr lang="en-US" sz="2000" dirty="0">
+                <a:solidFill>
+                  <a:srgbClr val="181A0D"/>
+                </a:solidFill>
+              </a:rPr>
+              <a:t>Estimate the percentage of samples collected within ±7.5 and ±15 minutes of the scheduled time (descriptive).</a:t>
+            </a:r>
+          </a:p>
+          <a:p>
+            <a:pPr marL="742950" lvl="1" indent="-285750">
+              <a:buFont typeface="Wingdings" pitchFamily="2" charset="2"/>
+              <a:buChar char="Ø"/>
+            </a:pPr>
+            <a:endParaRPr lang="en-US" sz="2000" b="1" dirty="0">
+              <a:solidFill>
+                <a:srgbClr val="181A0D"/>
+              </a:solidFill>
+            </a:endParaRPr>
+          </a:p>
+          <a:p>
+            <a:pPr marL="285750" indent="-285750">
+              <a:buFont typeface="Wingdings" pitchFamily="2" charset="2"/>
+              <a:buChar char="q"/>
+            </a:pPr>
+            <a:r>
+              <a:rPr lang="en-US" sz="2000" b="1" dirty="0">
+                <a:solidFill>
+                  <a:srgbClr val="181A0D"/>
+                </a:solidFill>
+              </a:rPr>
+              <a:t>What are the changes in cortisol and DHEA overtime?</a:t>
+            </a:r>
+          </a:p>
+          <a:p>
+            <a:pPr marL="742950" lvl="1" indent="-285750">
+              <a:buFont typeface="Wingdings" pitchFamily="2" charset="2"/>
+              <a:buChar char="Ø"/>
+            </a:pPr>
+            <a:r>
+              <a:rPr lang="en-US" sz="2000" i="1" dirty="0"/>
+              <a:t>Hypothesis</a:t>
+            </a:r>
+            <a:r>
+              <a:rPr lang="en-US" sz="2000" dirty="0"/>
+              <a:t>: Cortisol and DHEA concentrations increase from waking to 30 minutes after waking.</a:t>
+            </a:r>
+          </a:p>
+          <a:p>
+            <a:pPr marL="800100" lvl="1" indent="-342900">
+              <a:buFont typeface="Wingdings" pitchFamily="2" charset="2"/>
+              <a:buChar char="Ø"/>
+            </a:pPr>
+            <a:r>
+              <a:rPr lang="en-US" sz="2000" i="1" dirty="0"/>
+              <a:t>Hypothesis</a:t>
+            </a:r>
+            <a:r>
+              <a:rPr lang="en-US" sz="2000" dirty="0"/>
+              <a:t>: After 30 minutes post waking, cortisol and DHEA concentrations decline for the remainder of the day.</a:t>
+            </a:r>
+          </a:p>
+          <a:p>
+            <a:pPr marL="285750" indent="-285750">
+              <a:buFont typeface="Wingdings" pitchFamily="2" charset="2"/>
+              <a:buChar char="q"/>
+            </a:pPr>
+            <a:endParaRPr lang="en-US" b="1" dirty="0"/>
+          </a:p>
+          <a:p>
             <a:endParaRPr lang="en-US" dirty="0">
               <a:solidFill>
                 <a:srgbClr val="181A0D"/>
@@ -1964,1327 +2786,14 @@
             </a:endParaRPr>
           </a:p>
           <a:p>
-            <a:pPr marL="742950" lvl="1" indent="-285750">
-              <a:lnSpc>
-                <a:spcPts val="2258"/>
-              </a:lnSpc>
-              <a:buFont typeface="Wingdings" pitchFamily="2" charset="2"/>
-              <a:buChar char="Ø"/>
-            </a:pPr>
-            <a:endParaRPr lang="en-US" dirty="0">
-              <a:solidFill>
-                <a:srgbClr val="181A0D"/>
-              </a:solidFill>
-              <a:cs typeface="OAGDQN+FranklinGothic-BookItalic"/>
-            </a:endParaRPr>
-          </a:p>
-          <a:p>
-            <a:pPr marL="742950" lvl="1" indent="-285750">
-              <a:lnSpc>
-                <a:spcPts val="2258"/>
-              </a:lnSpc>
-              <a:buFont typeface="Wingdings" pitchFamily="2" charset="2"/>
-              <a:buChar char="Ø"/>
-            </a:pPr>
-            <a:endParaRPr lang="en-US" dirty="0">
-              <a:solidFill>
-                <a:srgbClr val="181A0D"/>
-              </a:solidFill>
-              <a:cs typeface="OAGDQN+FranklinGothic-BookItalic"/>
-            </a:endParaRPr>
-          </a:p>
-          <a:p>
             <a:pPr marL="285750" indent="-285750">
               <a:buFont typeface="Wingdings" pitchFamily="2" charset="2"/>
-              <a:buChar char="q"/>
-            </a:pPr>
-            <a:r>
-              <a:rPr lang="en-US" b="1" dirty="0"/>
-              <a:t>Are subjects adhering to +30min &amp; +600min sampling times required by study protocol?</a:t>
-            </a:r>
-          </a:p>
-          <a:p>
-            <a:pPr marL="742950" lvl="1" indent="-285750">
-              <a:buFont typeface="Wingdings" pitchFamily="2" charset="2"/>
-              <a:buChar char="Ø"/>
-            </a:pPr>
-            <a:r>
-              <a:rPr lang="en-US" dirty="0">
-                <a:solidFill>
-                  <a:srgbClr val="181A0D"/>
-                </a:solidFill>
-              </a:rPr>
-              <a:t>Estimate the percentage of samples collected within ±7.5 and ±15 minutes of the scheduled time (descriptive).</a:t>
-            </a:r>
-          </a:p>
-          <a:p>
-            <a:pPr marL="742950" lvl="1" indent="-285750">
-              <a:buFont typeface="Wingdings" pitchFamily="2" charset="2"/>
-              <a:buChar char="Ø"/>
-            </a:pPr>
-            <a:endParaRPr lang="en-US" b="1" dirty="0">
-              <a:solidFill>
-                <a:srgbClr val="181A0D"/>
-              </a:solidFill>
-            </a:endParaRPr>
-          </a:p>
-          <a:p>
-            <a:pPr marL="285750" indent="-285750">
-              <a:buFont typeface="Wingdings" pitchFamily="2" charset="2"/>
-              <a:buChar char="q"/>
-            </a:pPr>
-            <a:r>
-              <a:rPr lang="en-US" b="1" dirty="0">
-                <a:solidFill>
-                  <a:srgbClr val="181A0D"/>
-                </a:solidFill>
-              </a:rPr>
-              <a:t>What are the changes in cortisol and DHEA overtime?</a:t>
-            </a:r>
-          </a:p>
-          <a:p>
-            <a:pPr marL="742950" lvl="1" indent="-285750">
-              <a:buFont typeface="Wingdings" pitchFamily="2" charset="2"/>
-              <a:buChar char="Ø"/>
-            </a:pPr>
-            <a:r>
-              <a:rPr lang="en-US" dirty="0"/>
-              <a:t>Cortisol and DHEA concentrations increase from waking to 30 minutes after waking.</a:t>
-            </a:r>
-          </a:p>
-          <a:p>
-            <a:pPr marL="800100" lvl="1" indent="-342900">
-              <a:buFont typeface="Wingdings" pitchFamily="2" charset="2"/>
-              <a:buChar char="Ø"/>
-            </a:pPr>
-            <a:r>
-              <a:rPr lang="en-US" dirty="0"/>
-              <a:t>After 30 minutes post waking, cortisol and DHEA concentrations decline for the remainder of the day.</a:t>
-            </a:r>
-          </a:p>
-          <a:p>
-            <a:pPr marL="285750" indent="-285750">
-              <a:buFont typeface="Wingdings" pitchFamily="2" charset="2"/>
-              <a:buChar char="q"/>
-            </a:pPr>
-            <a:endParaRPr lang="en-US" b="1" dirty="0"/>
-          </a:p>
-          <a:p>
-            <a:endParaRPr lang="en-US" dirty="0">
-              <a:solidFill>
-                <a:srgbClr val="181A0D"/>
-              </a:solidFill>
-              <a:cs typeface="OAGDQN+FranklinGothic-BookItalic"/>
-            </a:endParaRPr>
-          </a:p>
-          <a:p>
-            <a:pPr marL="285750" indent="-285750">
-              <a:buFont typeface="Wingdings" pitchFamily="2" charset="2"/>
               <a:buChar char="§"/>
             </a:pPr>
             <a:endParaRPr lang="en-US" dirty="0"/>
           </a:p>
         </p:txBody>
       </p:sp>
-      <mc:AlternateContent xmlns:mc="http://schemas.openxmlformats.org/markup-compatibility/2006">
-        <mc:Choice xmlns:a14="http://schemas.microsoft.com/office/drawing/2010/main" Requires="a14">
-          <p:sp>
-            <p:nvSpPr>
-              <p:cNvPr id="7" name="TextBox 6">
-                <a:extLst>
-                  <a:ext uri="{FF2B5EF4-FFF2-40B4-BE49-F238E27FC236}">
-                    <a16:creationId xmlns:a16="http://schemas.microsoft.com/office/drawing/2014/main" id="{32A90477-374C-FE6F-2569-1C0FD8B53005}"/>
-                  </a:ext>
-                </a:extLst>
-              </p:cNvPr>
-              <p:cNvSpPr txBox="1"/>
-              <p:nvPr/>
-            </p:nvSpPr>
-            <p:spPr>
-              <a:xfrm>
-                <a:off x="2414877" y="2276872"/>
-                <a:ext cx="2880320" cy="646331"/>
-              </a:xfrm>
-              <a:prstGeom prst="rect">
-                <a:avLst/>
-              </a:prstGeom>
-              <a:noFill/>
-            </p:spPr>
-            <p:txBody>
-              <a:bodyPr wrap="square" rtlCol="0">
-                <a:spAutoFit/>
-              </a:bodyPr>
-              <a:lstStyle/>
-              <a:p>
-                <a:pPr/>
-                <a14:m>
-                  <m:oMathPara xmlns:m="http://schemas.openxmlformats.org/officeDocument/2006/math">
-                    <m:oMathParaPr>
-                      <m:jc m:val="centerGroup"/>
-                    </m:oMathParaPr>
-                    <m:oMath xmlns:m="http://schemas.openxmlformats.org/officeDocument/2006/math">
-                      <m:sSub>
-                        <m:sSubPr>
-                          <m:ctrlPr>
-                            <a:rPr lang="en-US" i="1" smtClean="0">
-                              <a:latin typeface="Cambria Math" panose="02040503050406030204" pitchFamily="18" charset="0"/>
-                            </a:rPr>
-                          </m:ctrlPr>
-                        </m:sSubPr>
-                        <m:e>
-                          <m:r>
-                            <m:rPr>
-                              <m:sty m:val="p"/>
-                            </m:rPr>
-                            <a:rPr lang="en-US" b="0" i="1" smtClean="0">
-                              <a:latin typeface="Cambria Math" panose="02040503050406030204" pitchFamily="18" charset="0"/>
-                            </a:rPr>
-                            <m:t>H</m:t>
-                          </m:r>
-                        </m:e>
-                        <m:sub>
-                          <m:r>
-                            <a:rPr lang="en-US" b="0" i="1" smtClean="0">
-                              <a:latin typeface="Cambria Math" panose="02040503050406030204" pitchFamily="18" charset="0"/>
-                            </a:rPr>
-                            <m:t>0: </m:t>
-                          </m:r>
-                        </m:sub>
-                      </m:sSub>
-                      <m:sSub>
-                        <m:sSubPr>
-                          <m:ctrlPr>
-                            <a:rPr lang="en-US" i="1" smtClean="0">
-                              <a:latin typeface="Cambria Math" panose="02040503050406030204" pitchFamily="18" charset="0"/>
-                            </a:rPr>
-                          </m:ctrlPr>
-                        </m:sSubPr>
-                        <m:e>
-                          <m:r>
-                            <a:rPr lang="en-US" i="1" smtClean="0">
-                              <a:latin typeface="Cambria Math" panose="02040503050406030204" pitchFamily="18" charset="0"/>
-                              <a:ea typeface="Cambria Math" panose="02040503050406030204" pitchFamily="18" charset="0"/>
-                            </a:rPr>
-                            <m:t>𝛽</m:t>
-                          </m:r>
-                        </m:e>
-                        <m:sub>
-                          <m:r>
-                            <a:rPr lang="en-US" b="0" i="1" smtClean="0">
-                              <a:latin typeface="Cambria Math" panose="02040503050406030204" pitchFamily="18" charset="0"/>
-                            </a:rPr>
-                            <m:t>1</m:t>
-                          </m:r>
-                        </m:sub>
-                      </m:sSub>
-                      <m:r>
-                        <a:rPr lang="en-US" i="1">
-                          <a:latin typeface="Cambria Math" panose="02040503050406030204" pitchFamily="18" charset="0"/>
-                          <a:ea typeface="Cambria Math" panose="02040503050406030204" pitchFamily="18" charset="0"/>
-                        </a:rPr>
-                        <m:t>≠</m:t>
-                      </m:r>
-                      <m:r>
-                        <a:rPr lang="en-US" b="0" i="1" smtClean="0">
-                          <a:latin typeface="Cambria Math" panose="02040503050406030204" pitchFamily="18" charset="0"/>
-                        </a:rPr>
-                        <m:t>1</m:t>
-                      </m:r>
-                      <m:d>
-                        <m:dPr>
-                          <m:ctrlPr>
-                            <a:rPr lang="en-US" b="0" i="1" smtClean="0">
-                              <a:latin typeface="Cambria Math" panose="02040503050406030204" pitchFamily="18" charset="0"/>
-                            </a:rPr>
-                          </m:ctrlPr>
-                        </m:dPr>
-                        <m:e>
-                          <m:r>
-                            <a:rPr lang="en-US" b="0" i="1" smtClean="0">
-                              <a:latin typeface="Cambria Math" panose="02040503050406030204" pitchFamily="18" charset="0"/>
-                            </a:rPr>
-                            <m:t>𝑠𝑙𝑜𝑝𝑒</m:t>
-                          </m:r>
-                        </m:e>
-                      </m:d>
-                    </m:oMath>
-                  </m:oMathPara>
-                </a14:m>
-                <a:endParaRPr lang="en-US" b="0" i="1" dirty="0">
-                  <a:latin typeface="Cambria Math" panose="02040503050406030204" pitchFamily="18" charset="0"/>
-                </a:endParaRPr>
-              </a:p>
-              <a:p>
-                <a:pPr/>
-                <a14:m>
-                  <m:oMathPara xmlns:m="http://schemas.openxmlformats.org/officeDocument/2006/math">
-                    <m:oMathParaPr>
-                      <m:jc m:val="centerGroup"/>
-                    </m:oMathParaPr>
-                    <m:oMath xmlns:m="http://schemas.openxmlformats.org/officeDocument/2006/math">
-                      <m:sSub>
-                        <m:sSubPr>
-                          <m:ctrlPr>
-                            <a:rPr lang="en-US" i="1" smtClean="0">
-                              <a:latin typeface="Cambria Math" panose="02040503050406030204" pitchFamily="18" charset="0"/>
-                            </a:rPr>
-                          </m:ctrlPr>
-                        </m:sSubPr>
-                        <m:e>
-                          <m:r>
-                            <m:rPr>
-                              <m:sty m:val="p"/>
-                            </m:rPr>
-                            <a:rPr lang="en-US" b="0" i="1" smtClean="0">
-                              <a:latin typeface="Cambria Math" panose="02040503050406030204" pitchFamily="18" charset="0"/>
-                            </a:rPr>
-                            <m:t>H</m:t>
-                          </m:r>
-                        </m:e>
-                        <m:sub>
-                          <m:r>
-                            <m:rPr>
-                              <m:sty m:val="p"/>
-                            </m:rPr>
-                            <a:rPr lang="en-US" b="0" i="1" smtClean="0">
-                              <a:latin typeface="Cambria Math" panose="02040503050406030204" pitchFamily="18" charset="0"/>
-                            </a:rPr>
-                            <m:t>A</m:t>
-                          </m:r>
-                          <m:r>
-                            <a:rPr lang="en-US" b="0" i="1" smtClean="0">
-                              <a:latin typeface="Cambria Math" panose="02040503050406030204" pitchFamily="18" charset="0"/>
-                            </a:rPr>
-                            <m:t>: </m:t>
-                          </m:r>
-                        </m:sub>
-                      </m:sSub>
-                      <m:sSub>
-                        <m:sSubPr>
-                          <m:ctrlPr>
-                            <a:rPr lang="en-US" i="1" smtClean="0">
-                              <a:latin typeface="Cambria Math" panose="02040503050406030204" pitchFamily="18" charset="0"/>
-                            </a:rPr>
-                          </m:ctrlPr>
-                        </m:sSubPr>
-                        <m:e>
-                          <m:r>
-                            <a:rPr lang="en-US" i="1" smtClean="0">
-                              <a:latin typeface="Cambria Math" panose="02040503050406030204" pitchFamily="18" charset="0"/>
-                              <a:ea typeface="Cambria Math" panose="02040503050406030204" pitchFamily="18" charset="0"/>
-                            </a:rPr>
-                            <m:t>𝛽</m:t>
-                          </m:r>
-                        </m:e>
-                        <m:sub>
-                          <m:r>
-                            <a:rPr lang="en-US" b="0" i="1" smtClean="0">
-                              <a:latin typeface="Cambria Math" panose="02040503050406030204" pitchFamily="18" charset="0"/>
-                            </a:rPr>
-                            <m:t>1</m:t>
-                          </m:r>
-                        </m:sub>
-                      </m:sSub>
-                      <m:r>
-                        <a:rPr lang="en-US" b="0" i="1" smtClean="0">
-                          <a:latin typeface="Cambria Math" panose="02040503050406030204" pitchFamily="18" charset="0"/>
-                        </a:rPr>
-                        <m:t>=1</m:t>
-                      </m:r>
-                      <m:d>
-                        <m:dPr>
-                          <m:ctrlPr>
-                            <a:rPr lang="en-US" b="0" i="1" smtClean="0">
-                              <a:latin typeface="Cambria Math" panose="02040503050406030204" pitchFamily="18" charset="0"/>
-                            </a:rPr>
-                          </m:ctrlPr>
-                        </m:dPr>
-                        <m:e>
-                          <m:r>
-                            <a:rPr lang="en-US" b="0" i="1" smtClean="0">
-                              <a:latin typeface="Cambria Math" panose="02040503050406030204" pitchFamily="18" charset="0"/>
-                            </a:rPr>
-                            <m:t>𝑠𝑙𝑜𝑝𝑒</m:t>
-                          </m:r>
-                        </m:e>
-                      </m:d>
-                    </m:oMath>
-                  </m:oMathPara>
-                </a14:m>
-                <a:endParaRPr lang="en-US" dirty="0"/>
-              </a:p>
-            </p:txBody>
-          </p:sp>
-        </mc:Choice>
-        <mc:Fallback>
-          <p:sp>
-            <p:nvSpPr>
-              <p:cNvPr id="7" name="TextBox 6">
-                <a:extLst>
-                  <a:ext uri="{FF2B5EF4-FFF2-40B4-BE49-F238E27FC236}">
-                    <a16:creationId xmlns:a16="http://schemas.microsoft.com/office/drawing/2014/main" id="{32A90477-374C-FE6F-2569-1C0FD8B53005}"/>
-                  </a:ext>
-                </a:extLst>
-              </p:cNvPr>
-              <p:cNvSpPr txBox="1">
-                <a:spLocks noRot="1" noChangeAspect="1" noMove="1" noResize="1" noEditPoints="1" noAdjustHandles="1" noChangeArrowheads="1" noChangeShapeType="1" noTextEdit="1"/>
-              </p:cNvSpPr>
-              <p:nvPr/>
-            </p:nvSpPr>
-            <p:spPr>
-              <a:xfrm>
-                <a:off x="2414877" y="2276872"/>
-                <a:ext cx="2880320" cy="646331"/>
-              </a:xfrm>
-              <a:prstGeom prst="rect">
-                <a:avLst/>
-              </a:prstGeom>
-              <a:blipFill>
-                <a:blip r:embed="rId4"/>
-                <a:stretch>
-                  <a:fillRect b="-9615"/>
-                </a:stretch>
-              </a:blipFill>
-            </p:spPr>
-            <p:txBody>
-              <a:bodyPr/>
-              <a:lstStyle/>
-              <a:p>
-                <a:r>
-                  <a:rPr lang="en-US">
-                    <a:noFill/>
-                  </a:rPr>
-                  <a:t> </a:t>
-                </a:r>
-              </a:p>
-            </p:txBody>
-          </p:sp>
-        </mc:Fallback>
-      </mc:AlternateContent>
-      <mc:AlternateContent xmlns:mc="http://schemas.openxmlformats.org/markup-compatibility/2006">
-        <mc:Choice xmlns:a14="http://schemas.microsoft.com/office/drawing/2010/main" Requires="a14">
-          <p:sp>
-            <p:nvSpPr>
-              <p:cNvPr id="8" name="TextBox 7">
-                <a:extLst>
-                  <a:ext uri="{FF2B5EF4-FFF2-40B4-BE49-F238E27FC236}">
-                    <a16:creationId xmlns:a16="http://schemas.microsoft.com/office/drawing/2014/main" id="{E87448BE-0F62-A46D-7310-EE9B2666BDCE}"/>
-                  </a:ext>
-                </a:extLst>
-              </p:cNvPr>
-              <p:cNvSpPr txBox="1"/>
-              <p:nvPr/>
-            </p:nvSpPr>
-            <p:spPr>
-              <a:xfrm>
-                <a:off x="5408097" y="2276871"/>
-                <a:ext cx="2880320" cy="646331"/>
-              </a:xfrm>
-              <a:prstGeom prst="rect">
-                <a:avLst/>
-              </a:prstGeom>
-              <a:noFill/>
-            </p:spPr>
-            <p:txBody>
-              <a:bodyPr wrap="square" rtlCol="0">
-                <a:spAutoFit/>
-              </a:bodyPr>
-              <a:lstStyle/>
-              <a:p>
-                <a:pPr/>
-                <a14:m>
-                  <m:oMathPara xmlns:m="http://schemas.openxmlformats.org/officeDocument/2006/math">
-                    <m:oMathParaPr>
-                      <m:jc m:val="centerGroup"/>
-                    </m:oMathParaPr>
-                    <m:oMath xmlns:m="http://schemas.openxmlformats.org/officeDocument/2006/math">
-                      <m:sSub>
-                        <m:sSubPr>
-                          <m:ctrlPr>
-                            <a:rPr lang="en-US" i="1" smtClean="0">
-                              <a:latin typeface="Cambria Math" panose="02040503050406030204" pitchFamily="18" charset="0"/>
-                            </a:rPr>
-                          </m:ctrlPr>
-                        </m:sSubPr>
-                        <m:e>
-                          <m:r>
-                            <m:rPr>
-                              <m:sty m:val="p"/>
-                            </m:rPr>
-                            <a:rPr lang="en-US" b="0" i="1" smtClean="0">
-                              <a:latin typeface="Cambria Math" panose="02040503050406030204" pitchFamily="18" charset="0"/>
-                            </a:rPr>
-                            <m:t>H</m:t>
-                          </m:r>
-                        </m:e>
-                        <m:sub>
-                          <m:r>
-                            <a:rPr lang="en-US" b="0" i="1" smtClean="0">
-                              <a:latin typeface="Cambria Math" panose="02040503050406030204" pitchFamily="18" charset="0"/>
-                            </a:rPr>
-                            <m:t>0: </m:t>
-                          </m:r>
-                        </m:sub>
-                      </m:sSub>
-                      <m:sSub>
-                        <m:sSubPr>
-                          <m:ctrlPr>
-                            <a:rPr lang="en-US" i="1" smtClean="0">
-                              <a:latin typeface="Cambria Math" panose="02040503050406030204" pitchFamily="18" charset="0"/>
-                            </a:rPr>
-                          </m:ctrlPr>
-                        </m:sSubPr>
-                        <m:e>
-                          <m:r>
-                            <a:rPr lang="en-US" i="1" smtClean="0">
-                              <a:latin typeface="Cambria Math" panose="02040503050406030204" pitchFamily="18" charset="0"/>
-                              <a:ea typeface="Cambria Math" panose="02040503050406030204" pitchFamily="18" charset="0"/>
-                            </a:rPr>
-                            <m:t>𝛽</m:t>
-                          </m:r>
-                        </m:e>
-                        <m:sub>
-                          <m:r>
-                            <a:rPr lang="en-US" b="0" i="1" smtClean="0">
-                              <a:latin typeface="Cambria Math" panose="02040503050406030204" pitchFamily="18" charset="0"/>
-                              <a:ea typeface="Cambria Math" panose="02040503050406030204" pitchFamily="18" charset="0"/>
-                            </a:rPr>
-                            <m:t>0</m:t>
-                          </m:r>
-                        </m:sub>
-                      </m:sSub>
-                      <m:r>
-                        <a:rPr lang="en-US" i="1">
-                          <a:latin typeface="Cambria Math" panose="02040503050406030204" pitchFamily="18" charset="0"/>
-                          <a:ea typeface="Cambria Math" panose="02040503050406030204" pitchFamily="18" charset="0"/>
-                        </a:rPr>
-                        <m:t>≠</m:t>
-                      </m:r>
-                      <m:r>
-                        <a:rPr lang="en-US" b="0" i="1" smtClean="0">
-                          <a:latin typeface="Cambria Math" panose="02040503050406030204" pitchFamily="18" charset="0"/>
-                        </a:rPr>
-                        <m:t>0 (</m:t>
-                      </m:r>
-                      <m:r>
-                        <m:rPr>
-                          <m:sty m:val="p"/>
-                        </m:rPr>
-                        <a:rPr lang="en-US" b="0" i="1" smtClean="0">
-                          <a:latin typeface="Cambria Math" panose="02040503050406030204" pitchFamily="18" charset="0"/>
-                        </a:rPr>
-                        <m:t>intercept</m:t>
-                      </m:r>
-                      <m:r>
-                        <a:rPr lang="en-US" b="0" i="1" smtClean="0">
-                          <a:latin typeface="Cambria Math" panose="02040503050406030204" pitchFamily="18" charset="0"/>
-                        </a:rPr>
-                        <m:t>)</m:t>
-                      </m:r>
-                    </m:oMath>
-                  </m:oMathPara>
-                </a14:m>
-                <a:endParaRPr lang="en-US" dirty="0"/>
-              </a:p>
-              <a:p>
-                <a:pPr/>
-                <a14:m>
-                  <m:oMathPara xmlns:m="http://schemas.openxmlformats.org/officeDocument/2006/math">
-                    <m:oMathParaPr>
-                      <m:jc m:val="centerGroup"/>
-                    </m:oMathParaPr>
-                    <m:oMath xmlns:m="http://schemas.openxmlformats.org/officeDocument/2006/math">
-                      <m:sSub>
-                        <m:sSubPr>
-                          <m:ctrlPr>
-                            <a:rPr lang="en-US" i="1" smtClean="0">
-                              <a:latin typeface="Cambria Math" panose="02040503050406030204" pitchFamily="18" charset="0"/>
-                            </a:rPr>
-                          </m:ctrlPr>
-                        </m:sSubPr>
-                        <m:e>
-                          <m:r>
-                            <m:rPr>
-                              <m:sty m:val="p"/>
-                            </m:rPr>
-                            <a:rPr lang="en-US" b="0" i="1" smtClean="0">
-                              <a:latin typeface="Cambria Math" panose="02040503050406030204" pitchFamily="18" charset="0"/>
-                            </a:rPr>
-                            <m:t>H</m:t>
-                          </m:r>
-                        </m:e>
-                        <m:sub>
-                          <m:r>
-                            <m:rPr>
-                              <m:sty m:val="p"/>
-                            </m:rPr>
-                            <a:rPr lang="en-US" b="0" i="1" smtClean="0">
-                              <a:latin typeface="Cambria Math" panose="02040503050406030204" pitchFamily="18" charset="0"/>
-                            </a:rPr>
-                            <m:t>A</m:t>
-                          </m:r>
-                          <m:r>
-                            <a:rPr lang="en-US" b="0" i="1" smtClean="0">
-                              <a:latin typeface="Cambria Math" panose="02040503050406030204" pitchFamily="18" charset="0"/>
-                            </a:rPr>
-                            <m:t>: </m:t>
-                          </m:r>
-                        </m:sub>
-                      </m:sSub>
-                      <m:sSub>
-                        <m:sSubPr>
-                          <m:ctrlPr>
-                            <a:rPr lang="en-US" i="1" smtClean="0">
-                              <a:latin typeface="Cambria Math" panose="02040503050406030204" pitchFamily="18" charset="0"/>
-                            </a:rPr>
-                          </m:ctrlPr>
-                        </m:sSubPr>
-                        <m:e>
-                          <m:r>
-                            <a:rPr lang="en-US" i="1" smtClean="0">
-                              <a:latin typeface="Cambria Math" panose="02040503050406030204" pitchFamily="18" charset="0"/>
-                              <a:ea typeface="Cambria Math" panose="02040503050406030204" pitchFamily="18" charset="0"/>
-                            </a:rPr>
-                            <m:t>𝛽</m:t>
-                          </m:r>
-                        </m:e>
-                        <m:sub>
-                          <m:r>
-                            <a:rPr lang="en-US" b="0" i="1" smtClean="0">
-                              <a:latin typeface="Cambria Math" panose="02040503050406030204" pitchFamily="18" charset="0"/>
-                              <a:ea typeface="Cambria Math" panose="02040503050406030204" pitchFamily="18" charset="0"/>
-                            </a:rPr>
-                            <m:t>0</m:t>
-                          </m:r>
-                        </m:sub>
-                      </m:sSub>
-                      <m:r>
-                        <a:rPr lang="en-US" b="0" i="1" smtClean="0">
-                          <a:latin typeface="Cambria Math" panose="02040503050406030204" pitchFamily="18" charset="0"/>
-                          <a:ea typeface="Cambria Math" panose="02040503050406030204" pitchFamily="18" charset="0"/>
-                        </a:rPr>
-                        <m:t>=</m:t>
-                      </m:r>
-                      <m:r>
-                        <a:rPr lang="en-US" b="0" i="1" smtClean="0">
-                          <a:latin typeface="Cambria Math" panose="02040503050406030204" pitchFamily="18" charset="0"/>
-                        </a:rPr>
-                        <m:t>0 (</m:t>
-                      </m:r>
-                      <m:r>
-                        <m:rPr>
-                          <m:sty m:val="p"/>
-                        </m:rPr>
-                        <a:rPr lang="en-US" b="0" i="1" smtClean="0">
-                          <a:latin typeface="Cambria Math" panose="02040503050406030204" pitchFamily="18" charset="0"/>
-                        </a:rPr>
-                        <m:t>intercept</m:t>
-                      </m:r>
-                      <m:r>
-                        <a:rPr lang="en-US" b="0" i="1" smtClean="0">
-                          <a:latin typeface="Cambria Math" panose="02040503050406030204" pitchFamily="18" charset="0"/>
-                        </a:rPr>
-                        <m:t>)</m:t>
-                      </m:r>
-                    </m:oMath>
-                  </m:oMathPara>
-                </a14:m>
-                <a:endParaRPr lang="en-US" dirty="0"/>
-              </a:p>
-            </p:txBody>
-          </p:sp>
-        </mc:Choice>
-        <mc:Fallback>
-          <p:sp>
-            <p:nvSpPr>
-              <p:cNvPr id="8" name="TextBox 7">
-                <a:extLst>
-                  <a:ext uri="{FF2B5EF4-FFF2-40B4-BE49-F238E27FC236}">
-                    <a16:creationId xmlns:a16="http://schemas.microsoft.com/office/drawing/2014/main" id="{E87448BE-0F62-A46D-7310-EE9B2666BDCE}"/>
-                  </a:ext>
-                </a:extLst>
-              </p:cNvPr>
-              <p:cNvSpPr txBox="1">
-                <a:spLocks noRot="1" noChangeAspect="1" noMove="1" noResize="1" noEditPoints="1" noAdjustHandles="1" noChangeArrowheads="1" noChangeShapeType="1" noTextEdit="1"/>
-              </p:cNvSpPr>
-              <p:nvPr/>
-            </p:nvSpPr>
-            <p:spPr>
-              <a:xfrm>
-                <a:off x="5408097" y="2276871"/>
-                <a:ext cx="2880320" cy="646331"/>
-              </a:xfrm>
-              <a:prstGeom prst="rect">
-                <a:avLst/>
-              </a:prstGeom>
-              <a:blipFill>
-                <a:blip r:embed="rId5"/>
-                <a:stretch>
-                  <a:fillRect b="-9615"/>
-                </a:stretch>
-              </a:blipFill>
-            </p:spPr>
-            <p:txBody>
-              <a:bodyPr/>
-              <a:lstStyle/>
-              <a:p>
-                <a:r>
-                  <a:rPr lang="en-US">
-                    <a:noFill/>
-                  </a:rPr>
-                  <a:t> </a:t>
-                </a:r>
-              </a:p>
-            </p:txBody>
-          </p:sp>
-        </mc:Fallback>
-      </mc:AlternateContent>
-      <mc:AlternateContent xmlns:mc="http://schemas.openxmlformats.org/markup-compatibility/2006">
-        <mc:Choice xmlns:a14="http://schemas.microsoft.com/office/drawing/2010/main" Requires="a14">
-          <p:sp>
-            <p:nvSpPr>
-              <p:cNvPr id="9" name="TextBox 8">
-                <a:extLst>
-                  <a:ext uri="{FF2B5EF4-FFF2-40B4-BE49-F238E27FC236}">
-                    <a16:creationId xmlns:a16="http://schemas.microsoft.com/office/drawing/2014/main" id="{6E74B6E8-D9C6-3A5A-5760-C7541CCF5F23}"/>
-                  </a:ext>
-                </a:extLst>
-              </p:cNvPr>
-              <p:cNvSpPr txBox="1"/>
-              <p:nvPr/>
-            </p:nvSpPr>
-            <p:spPr>
-              <a:xfrm>
-                <a:off x="2279576" y="5879499"/>
-                <a:ext cx="3150922" cy="646331"/>
-              </a:xfrm>
-              <a:prstGeom prst="rect">
-                <a:avLst/>
-              </a:prstGeom>
-              <a:noFill/>
-            </p:spPr>
-            <p:txBody>
-              <a:bodyPr wrap="square" rtlCol="0">
-                <a:spAutoFit/>
-              </a:bodyPr>
-              <a:lstStyle/>
-              <a:p>
-                <a:pPr/>
-                <a14:m>
-                  <m:oMathPara xmlns:m="http://schemas.openxmlformats.org/officeDocument/2006/math">
-                    <m:oMathParaPr>
-                      <m:jc m:val="centerGroup"/>
-                    </m:oMathParaPr>
-                    <m:oMath xmlns:m="http://schemas.openxmlformats.org/officeDocument/2006/math">
-                      <m:sSub>
-                        <m:sSubPr>
-                          <m:ctrlPr>
-                            <a:rPr lang="en-US" i="1" smtClean="0">
-                              <a:latin typeface="Cambria Math" panose="02040503050406030204" pitchFamily="18" charset="0"/>
-                            </a:rPr>
-                          </m:ctrlPr>
-                        </m:sSubPr>
-                        <m:e>
-                          <m:r>
-                            <m:rPr>
-                              <m:sty m:val="p"/>
-                            </m:rPr>
-                            <a:rPr lang="en-US" b="0" i="1" smtClean="0">
-                              <a:latin typeface="Cambria Math" panose="02040503050406030204" pitchFamily="18" charset="0"/>
-                            </a:rPr>
-                            <m:t>H</m:t>
-                          </m:r>
-                        </m:e>
-                        <m:sub>
-                          <m:r>
-                            <a:rPr lang="en-US" b="0" i="1" smtClean="0">
-                              <a:latin typeface="Cambria Math" panose="02040503050406030204" pitchFamily="18" charset="0"/>
-                            </a:rPr>
-                            <m:t>0: </m:t>
-                          </m:r>
-                        </m:sub>
-                      </m:sSub>
-                      <m:sSub>
-                        <m:sSubPr>
-                          <m:ctrlPr>
-                            <a:rPr lang="en-US" i="1" smtClean="0">
-                              <a:latin typeface="Cambria Math" panose="02040503050406030204" pitchFamily="18" charset="0"/>
-                            </a:rPr>
-                          </m:ctrlPr>
-                        </m:sSubPr>
-                        <m:e>
-                          <m:r>
-                            <a:rPr lang="en-US" i="1" smtClean="0">
-                              <a:latin typeface="Cambria Math" panose="02040503050406030204" pitchFamily="18" charset="0"/>
-                              <a:ea typeface="Cambria Math" panose="02040503050406030204" pitchFamily="18" charset="0"/>
-                            </a:rPr>
-                            <m:t>𝛽</m:t>
-                          </m:r>
-                        </m:e>
-                        <m:sub>
-                          <m:r>
-                            <a:rPr lang="en-US" b="0" i="1" smtClean="0">
-                              <a:latin typeface="Cambria Math" panose="02040503050406030204" pitchFamily="18" charset="0"/>
-                              <a:ea typeface="Cambria Math" panose="02040503050406030204" pitchFamily="18" charset="0"/>
-                            </a:rPr>
-                            <m:t>30</m:t>
-                          </m:r>
-                          <m:r>
-                            <m:rPr>
-                              <m:sty m:val="p"/>
-                            </m:rPr>
-                            <a:rPr lang="en-US" b="0" i="1" smtClean="0">
-                              <a:latin typeface="Cambria Math" panose="02040503050406030204" pitchFamily="18" charset="0"/>
-                              <a:ea typeface="Cambria Math" panose="02040503050406030204" pitchFamily="18" charset="0"/>
-                            </a:rPr>
-                            <m:t>min</m:t>
-                          </m:r>
-                        </m:sub>
-                      </m:sSub>
-                      <m:r>
-                        <a:rPr lang="en-US" i="1">
-                          <a:latin typeface="Cambria Math" panose="02040503050406030204" pitchFamily="18" charset="0"/>
-                          <a:ea typeface="Cambria Math" panose="02040503050406030204" pitchFamily="18" charset="0"/>
-                        </a:rPr>
-                        <m:t>≤</m:t>
-                      </m:r>
-                      <m:r>
-                        <a:rPr lang="en-US" b="0" i="1" smtClean="0">
-                          <a:latin typeface="Cambria Math" panose="02040503050406030204" pitchFamily="18" charset="0"/>
-                        </a:rPr>
-                        <m:t>0 (</m:t>
-                      </m:r>
-                      <m:r>
-                        <m:rPr>
-                          <m:sty m:val="p"/>
-                        </m:rPr>
-                        <a:rPr lang="en-US" b="0" i="1" smtClean="0">
-                          <a:latin typeface="Cambria Math" panose="02040503050406030204" pitchFamily="18" charset="0"/>
-                        </a:rPr>
-                        <m:t>no</m:t>
-                      </m:r>
-                      <m:r>
-                        <a:rPr lang="en-US" b="0" i="1" smtClean="0">
-                          <a:latin typeface="Cambria Math" panose="02040503050406030204" pitchFamily="18" charset="0"/>
-                        </a:rPr>
-                        <m:t> </m:t>
-                      </m:r>
-                      <m:r>
-                        <m:rPr>
-                          <m:sty m:val="p"/>
-                        </m:rPr>
-                        <a:rPr lang="en-US" b="0" i="1" smtClean="0">
-                          <a:latin typeface="Cambria Math" panose="02040503050406030204" pitchFamily="18" charset="0"/>
-                        </a:rPr>
-                        <m:t>increase</m:t>
-                      </m:r>
-                      <m:r>
-                        <a:rPr lang="en-US" b="0" i="1" smtClean="0">
-                          <a:latin typeface="Cambria Math" panose="02040503050406030204" pitchFamily="18" charset="0"/>
-                        </a:rPr>
-                        <m:t>)</m:t>
-                      </m:r>
-                    </m:oMath>
-                  </m:oMathPara>
-                </a14:m>
-                <a:endParaRPr lang="en-US" dirty="0"/>
-              </a:p>
-              <a:p>
-                <a:pPr/>
-                <a14:m>
-                  <m:oMathPara xmlns:m="http://schemas.openxmlformats.org/officeDocument/2006/math">
-                    <m:oMathParaPr>
-                      <m:jc m:val="centerGroup"/>
-                    </m:oMathParaPr>
-                    <m:oMath xmlns:m="http://schemas.openxmlformats.org/officeDocument/2006/math">
-                      <m:sSub>
-                        <m:sSubPr>
-                          <m:ctrlPr>
-                            <a:rPr lang="en-US" i="1" smtClean="0">
-                              <a:latin typeface="Cambria Math" panose="02040503050406030204" pitchFamily="18" charset="0"/>
-                            </a:rPr>
-                          </m:ctrlPr>
-                        </m:sSubPr>
-                        <m:e>
-                          <m:r>
-                            <m:rPr>
-                              <m:sty m:val="p"/>
-                            </m:rPr>
-                            <a:rPr lang="en-US" b="0" i="1" smtClean="0">
-                              <a:latin typeface="Cambria Math" panose="02040503050406030204" pitchFamily="18" charset="0"/>
-                            </a:rPr>
-                            <m:t>H</m:t>
-                          </m:r>
-                        </m:e>
-                        <m:sub>
-                          <m:r>
-                            <m:rPr>
-                              <m:sty m:val="p"/>
-                            </m:rPr>
-                            <a:rPr lang="en-US" b="0" i="1" smtClean="0">
-                              <a:latin typeface="Cambria Math" panose="02040503050406030204" pitchFamily="18" charset="0"/>
-                            </a:rPr>
-                            <m:t>A</m:t>
-                          </m:r>
-                          <m:r>
-                            <a:rPr lang="en-US" b="0" i="1" smtClean="0">
-                              <a:latin typeface="Cambria Math" panose="02040503050406030204" pitchFamily="18" charset="0"/>
-                            </a:rPr>
-                            <m:t>: </m:t>
-                          </m:r>
-                        </m:sub>
-                      </m:sSub>
-                      <m:sSub>
-                        <m:sSubPr>
-                          <m:ctrlPr>
-                            <a:rPr lang="en-US" i="1" smtClean="0">
-                              <a:latin typeface="Cambria Math" panose="02040503050406030204" pitchFamily="18" charset="0"/>
-                            </a:rPr>
-                          </m:ctrlPr>
-                        </m:sSubPr>
-                        <m:e>
-                          <m:r>
-                            <a:rPr lang="en-US" i="1" smtClean="0">
-                              <a:latin typeface="Cambria Math" panose="02040503050406030204" pitchFamily="18" charset="0"/>
-                              <a:ea typeface="Cambria Math" panose="02040503050406030204" pitchFamily="18" charset="0"/>
-                            </a:rPr>
-                            <m:t>𝛽</m:t>
-                          </m:r>
-                        </m:e>
-                        <m:sub>
-                          <m:r>
-                            <a:rPr lang="en-US" b="0" i="1" smtClean="0">
-                              <a:latin typeface="Cambria Math" panose="02040503050406030204" pitchFamily="18" charset="0"/>
-                              <a:ea typeface="Cambria Math" panose="02040503050406030204" pitchFamily="18" charset="0"/>
-                            </a:rPr>
-                            <m:t>30</m:t>
-                          </m:r>
-                          <m:r>
-                            <m:rPr>
-                              <m:sty m:val="p"/>
-                            </m:rPr>
-                            <a:rPr lang="en-US" b="0" i="1" smtClean="0">
-                              <a:latin typeface="Cambria Math" panose="02040503050406030204" pitchFamily="18" charset="0"/>
-                              <a:ea typeface="Cambria Math" panose="02040503050406030204" pitchFamily="18" charset="0"/>
-                            </a:rPr>
-                            <m:t>min</m:t>
-                          </m:r>
-                        </m:sub>
-                      </m:sSub>
-                      <m:r>
-                        <a:rPr lang="en-US" i="1">
-                          <a:latin typeface="Cambria Math" panose="02040503050406030204" pitchFamily="18" charset="0"/>
-                          <a:ea typeface="Cambria Math" panose="02040503050406030204" pitchFamily="18" charset="0"/>
-                        </a:rPr>
-                        <m:t>&gt;</m:t>
-                      </m:r>
-                      <m:r>
-                        <a:rPr lang="en-US" b="0" i="1" smtClean="0">
-                          <a:latin typeface="Cambria Math" panose="02040503050406030204" pitchFamily="18" charset="0"/>
-                        </a:rPr>
-                        <m:t>0 (</m:t>
-                      </m:r>
-                      <m:r>
-                        <m:rPr>
-                          <m:sty m:val="p"/>
-                        </m:rPr>
-                        <a:rPr lang="en-US" b="0" i="1" smtClean="0">
-                          <a:latin typeface="Cambria Math" panose="02040503050406030204" pitchFamily="18" charset="0"/>
-                        </a:rPr>
-                        <m:t>increase</m:t>
-                      </m:r>
-                      <m:r>
-                        <a:rPr lang="en-US" b="0" i="1" smtClean="0">
-                          <a:latin typeface="Cambria Math" panose="02040503050406030204" pitchFamily="18" charset="0"/>
-                        </a:rPr>
-                        <m:t>)</m:t>
-                      </m:r>
-                    </m:oMath>
-                  </m:oMathPara>
-                </a14:m>
-                <a:endParaRPr lang="en-US" dirty="0"/>
-              </a:p>
-            </p:txBody>
-          </p:sp>
-        </mc:Choice>
-        <mc:Fallback>
-          <p:sp>
-            <p:nvSpPr>
-              <p:cNvPr id="9" name="TextBox 8">
-                <a:extLst>
-                  <a:ext uri="{FF2B5EF4-FFF2-40B4-BE49-F238E27FC236}">
-                    <a16:creationId xmlns:a16="http://schemas.microsoft.com/office/drawing/2014/main" id="{6E74B6E8-D9C6-3A5A-5760-C7541CCF5F23}"/>
-                  </a:ext>
-                </a:extLst>
-              </p:cNvPr>
-              <p:cNvSpPr txBox="1">
-                <a:spLocks noRot="1" noChangeAspect="1" noMove="1" noResize="1" noEditPoints="1" noAdjustHandles="1" noChangeArrowheads="1" noChangeShapeType="1" noTextEdit="1"/>
-              </p:cNvSpPr>
-              <p:nvPr/>
-            </p:nvSpPr>
-            <p:spPr>
-              <a:xfrm>
-                <a:off x="2279576" y="5879499"/>
-                <a:ext cx="3150922" cy="646331"/>
-              </a:xfrm>
-              <a:prstGeom prst="rect">
-                <a:avLst/>
-              </a:prstGeom>
-              <a:blipFill>
-                <a:blip r:embed="rId6"/>
-                <a:stretch>
-                  <a:fillRect b="-7547"/>
-                </a:stretch>
-              </a:blipFill>
-            </p:spPr>
-            <p:txBody>
-              <a:bodyPr/>
-              <a:lstStyle/>
-              <a:p>
-                <a:r>
-                  <a:rPr lang="en-US">
-                    <a:noFill/>
-                  </a:rPr>
-                  <a:t> </a:t>
-                </a:r>
-              </a:p>
-            </p:txBody>
-          </p:sp>
-        </mc:Fallback>
-      </mc:AlternateContent>
-      <mc:AlternateContent xmlns:mc="http://schemas.openxmlformats.org/markup-compatibility/2006">
-        <mc:Choice xmlns:a14="http://schemas.microsoft.com/office/drawing/2010/main" Requires="a14">
-          <p:sp>
-            <p:nvSpPr>
-              <p:cNvPr id="10" name="TextBox 9">
-                <a:extLst>
-                  <a:ext uri="{FF2B5EF4-FFF2-40B4-BE49-F238E27FC236}">
-                    <a16:creationId xmlns:a16="http://schemas.microsoft.com/office/drawing/2014/main" id="{25F08AEA-029D-B7FD-D2F2-8CA0CAB35FFF}"/>
-                  </a:ext>
-                </a:extLst>
-              </p:cNvPr>
-              <p:cNvSpPr txBox="1"/>
-              <p:nvPr/>
-            </p:nvSpPr>
-            <p:spPr>
-              <a:xfrm>
-                <a:off x="5442654" y="5830127"/>
-                <a:ext cx="3473814" cy="695703"/>
-              </a:xfrm>
-              <a:prstGeom prst="rect">
-                <a:avLst/>
-              </a:prstGeom>
-              <a:noFill/>
-            </p:spPr>
-            <p:txBody>
-              <a:bodyPr wrap="square" rtlCol="0">
-                <a:spAutoFit/>
-              </a:bodyPr>
-              <a:lstStyle/>
-              <a:p>
-                <a:pPr/>
-                <a14:m>
-                  <m:oMathPara xmlns:m="http://schemas.openxmlformats.org/officeDocument/2006/math">
-                    <m:oMathParaPr>
-                      <m:jc m:val="centerGroup"/>
-                    </m:oMathParaPr>
-                    <m:oMath xmlns:m="http://schemas.openxmlformats.org/officeDocument/2006/math">
-                      <m:sSub>
-                        <m:sSubPr>
-                          <m:ctrlPr>
-                            <a:rPr lang="en-US" i="1" smtClean="0">
-                              <a:latin typeface="Cambria Math" panose="02040503050406030204" pitchFamily="18" charset="0"/>
-                            </a:rPr>
-                          </m:ctrlPr>
-                        </m:sSubPr>
-                        <m:e>
-                          <m:r>
-                            <m:rPr>
-                              <m:sty m:val="p"/>
-                            </m:rPr>
-                            <a:rPr lang="en-US" b="0" i="1" smtClean="0">
-                              <a:latin typeface="Cambria Math" panose="02040503050406030204" pitchFamily="18" charset="0"/>
-                            </a:rPr>
-                            <m:t>H</m:t>
-                          </m:r>
-                        </m:e>
-                        <m:sub>
-                          <m:r>
-                            <a:rPr lang="en-US" b="0" i="1" smtClean="0">
-                              <a:latin typeface="Cambria Math" panose="02040503050406030204" pitchFamily="18" charset="0"/>
-                            </a:rPr>
-                            <m:t>0: </m:t>
-                          </m:r>
-                        </m:sub>
-                      </m:sSub>
-                      <m:sSub>
-                        <m:sSubPr>
-                          <m:ctrlPr>
-                            <a:rPr lang="en-US" i="1" smtClean="0">
-                              <a:latin typeface="Cambria Math" panose="02040503050406030204" pitchFamily="18" charset="0"/>
-                            </a:rPr>
-                          </m:ctrlPr>
-                        </m:sSubPr>
-                        <m:e>
-                          <m:r>
-                            <a:rPr lang="en-US" i="1" smtClean="0">
-                              <a:latin typeface="Cambria Math" panose="02040503050406030204" pitchFamily="18" charset="0"/>
-                              <a:ea typeface="Cambria Math" panose="02040503050406030204" pitchFamily="18" charset="0"/>
-                            </a:rPr>
-                            <m:t>𝛽</m:t>
-                          </m:r>
-                        </m:e>
-                        <m:sub>
-                          <m:r>
-                            <m:rPr>
-                              <m:sty m:val="p"/>
-                            </m:rPr>
-                            <a:rPr lang="en-US" b="0" i="1" smtClean="0">
-                              <a:latin typeface="Cambria Math" panose="02040503050406030204" pitchFamily="18" charset="0"/>
-                              <a:ea typeface="Cambria Math" panose="02040503050406030204" pitchFamily="18" charset="0"/>
-                            </a:rPr>
-                            <m:t>post</m:t>
-                          </m:r>
-                          <m:r>
-                            <a:rPr lang="en-US" b="0" i="1" smtClean="0">
-                              <a:latin typeface="Cambria Math" panose="02040503050406030204" pitchFamily="18" charset="0"/>
-                              <a:ea typeface="Cambria Math" panose="02040503050406030204" pitchFamily="18" charset="0"/>
-                            </a:rPr>
-                            <m:t>−30</m:t>
-                          </m:r>
-                          <m:r>
-                            <m:rPr>
-                              <m:sty m:val="p"/>
-                            </m:rPr>
-                            <a:rPr lang="en-US" b="0" i="1" smtClean="0">
-                              <a:latin typeface="Cambria Math" panose="02040503050406030204" pitchFamily="18" charset="0"/>
-                              <a:ea typeface="Cambria Math" panose="02040503050406030204" pitchFamily="18" charset="0"/>
-                            </a:rPr>
-                            <m:t>min</m:t>
-                          </m:r>
-                        </m:sub>
-                      </m:sSub>
-                      <m:r>
-                        <a:rPr lang="en-US" i="1">
-                          <a:latin typeface="Cambria Math" panose="02040503050406030204" pitchFamily="18" charset="0"/>
-                          <a:ea typeface="Cambria Math" panose="02040503050406030204" pitchFamily="18" charset="0"/>
-                        </a:rPr>
-                        <m:t>≥</m:t>
-                      </m:r>
-                      <m:r>
-                        <a:rPr lang="en-US" b="0" i="1" smtClean="0">
-                          <a:latin typeface="Cambria Math" panose="02040503050406030204" pitchFamily="18" charset="0"/>
-                        </a:rPr>
-                        <m:t>0 (</m:t>
-                      </m:r>
-                      <m:r>
-                        <m:rPr>
-                          <m:sty m:val="p"/>
-                        </m:rPr>
-                        <a:rPr lang="en-US" b="0" i="1" smtClean="0">
-                          <a:latin typeface="Cambria Math" panose="02040503050406030204" pitchFamily="18" charset="0"/>
-                        </a:rPr>
-                        <m:t>no</m:t>
-                      </m:r>
-                      <m:r>
-                        <a:rPr lang="en-US" b="0" i="1" smtClean="0">
-                          <a:latin typeface="Cambria Math" panose="02040503050406030204" pitchFamily="18" charset="0"/>
-                        </a:rPr>
-                        <m:t> </m:t>
-                      </m:r>
-                      <m:r>
-                        <m:rPr>
-                          <m:sty m:val="p"/>
-                        </m:rPr>
-                        <a:rPr lang="en-US" b="0" i="1" smtClean="0">
-                          <a:latin typeface="Cambria Math" panose="02040503050406030204" pitchFamily="18" charset="0"/>
-                        </a:rPr>
-                        <m:t>decrease</m:t>
-                      </m:r>
-                      <m:r>
-                        <a:rPr lang="en-US" b="0" i="1" smtClean="0">
-                          <a:latin typeface="Cambria Math" panose="02040503050406030204" pitchFamily="18" charset="0"/>
-                        </a:rPr>
-                        <m:t>)</m:t>
-                      </m:r>
-                    </m:oMath>
-                  </m:oMathPara>
-                </a14:m>
-                <a:endParaRPr lang="en-US" dirty="0"/>
-              </a:p>
-              <a:p>
-                <a:pPr/>
-                <a14:m>
-                  <m:oMathPara xmlns:m="http://schemas.openxmlformats.org/officeDocument/2006/math">
-                    <m:oMathParaPr>
-                      <m:jc m:val="centerGroup"/>
-                    </m:oMathParaPr>
-                    <m:oMath xmlns:m="http://schemas.openxmlformats.org/officeDocument/2006/math">
-                      <m:sSub>
-                        <m:sSubPr>
-                          <m:ctrlPr>
-                            <a:rPr lang="en-US" i="1" smtClean="0">
-                              <a:latin typeface="Cambria Math" panose="02040503050406030204" pitchFamily="18" charset="0"/>
-                            </a:rPr>
-                          </m:ctrlPr>
-                        </m:sSubPr>
-                        <m:e>
-                          <m:r>
-                            <m:rPr>
-                              <m:sty m:val="p"/>
-                            </m:rPr>
-                            <a:rPr lang="en-US" b="0" i="1" smtClean="0">
-                              <a:latin typeface="Cambria Math" panose="02040503050406030204" pitchFamily="18" charset="0"/>
-                            </a:rPr>
-                            <m:t>H</m:t>
-                          </m:r>
-                        </m:e>
-                        <m:sub>
-                          <m:r>
-                            <m:rPr>
-                              <m:sty m:val="p"/>
-                            </m:rPr>
-                            <a:rPr lang="en-US" b="0" i="1" smtClean="0">
-                              <a:latin typeface="Cambria Math" panose="02040503050406030204" pitchFamily="18" charset="0"/>
-                            </a:rPr>
-                            <m:t>A</m:t>
-                          </m:r>
-                          <m:r>
-                            <a:rPr lang="en-US" b="0" i="1" smtClean="0">
-                              <a:latin typeface="Cambria Math" panose="02040503050406030204" pitchFamily="18" charset="0"/>
-                            </a:rPr>
-                            <m:t>: </m:t>
-                          </m:r>
-                        </m:sub>
-                      </m:sSub>
-                      <m:sSub>
-                        <m:sSubPr>
-                          <m:ctrlPr>
-                            <a:rPr lang="en-US" i="1" smtClean="0">
-                              <a:latin typeface="Cambria Math" panose="02040503050406030204" pitchFamily="18" charset="0"/>
-                            </a:rPr>
-                          </m:ctrlPr>
-                        </m:sSubPr>
-                        <m:e>
-                          <m:r>
-                            <a:rPr lang="en-US" i="1" smtClean="0">
-                              <a:latin typeface="Cambria Math" panose="02040503050406030204" pitchFamily="18" charset="0"/>
-                              <a:ea typeface="Cambria Math" panose="02040503050406030204" pitchFamily="18" charset="0"/>
-                            </a:rPr>
-                            <m:t>𝛽</m:t>
-                          </m:r>
-                        </m:e>
-                        <m:sub>
-                          <m:r>
-                            <m:rPr>
-                              <m:sty m:val="p"/>
-                            </m:rPr>
-                            <a:rPr lang="en-US" b="0" i="1" smtClean="0">
-                              <a:latin typeface="Cambria Math" panose="02040503050406030204" pitchFamily="18" charset="0"/>
-                              <a:ea typeface="Cambria Math" panose="02040503050406030204" pitchFamily="18" charset="0"/>
-                            </a:rPr>
-                            <m:t>post</m:t>
-                          </m:r>
-                          <m:r>
-                            <a:rPr lang="en-US" b="0" i="1" smtClean="0">
-                              <a:latin typeface="Cambria Math" panose="02040503050406030204" pitchFamily="18" charset="0"/>
-                              <a:ea typeface="Cambria Math" panose="02040503050406030204" pitchFamily="18" charset="0"/>
-                            </a:rPr>
-                            <m:t>−30</m:t>
-                          </m:r>
-                          <m:r>
-                            <m:rPr>
-                              <m:sty m:val="p"/>
-                            </m:rPr>
-                            <a:rPr lang="en-US" b="0" i="1" smtClean="0">
-                              <a:latin typeface="Cambria Math" panose="02040503050406030204" pitchFamily="18" charset="0"/>
-                              <a:ea typeface="Cambria Math" panose="02040503050406030204" pitchFamily="18" charset="0"/>
-                            </a:rPr>
-                            <m:t>min</m:t>
-                          </m:r>
-                        </m:sub>
-                      </m:sSub>
-                      <m:r>
-                        <a:rPr lang="en-US" i="1">
-                          <a:latin typeface="Cambria Math" panose="02040503050406030204" pitchFamily="18" charset="0"/>
-                          <a:ea typeface="Cambria Math" panose="02040503050406030204" pitchFamily="18" charset="0"/>
-                        </a:rPr>
-                        <m:t>&lt;</m:t>
-                      </m:r>
-                      <m:r>
-                        <a:rPr lang="en-US" b="0" i="1" smtClean="0">
-                          <a:latin typeface="Cambria Math" panose="02040503050406030204" pitchFamily="18" charset="0"/>
-                        </a:rPr>
-                        <m:t>0 (</m:t>
-                      </m:r>
-                      <m:r>
-                        <m:rPr>
-                          <m:sty m:val="p"/>
-                        </m:rPr>
-                        <a:rPr lang="en-US" b="0" i="1" smtClean="0">
-                          <a:latin typeface="Cambria Math" panose="02040503050406030204" pitchFamily="18" charset="0"/>
-                        </a:rPr>
-                        <m:t>decrease</m:t>
-                      </m:r>
-                      <m:r>
-                        <a:rPr lang="en-US" b="0" i="1" smtClean="0">
-                          <a:latin typeface="Cambria Math" panose="02040503050406030204" pitchFamily="18" charset="0"/>
-                        </a:rPr>
-                        <m:t>)</m:t>
-                      </m:r>
-                    </m:oMath>
-                  </m:oMathPara>
-                </a14:m>
-                <a:endParaRPr lang="en-US" dirty="0"/>
-              </a:p>
-            </p:txBody>
-          </p:sp>
-        </mc:Choice>
-        <mc:Fallback>
-          <p:sp>
-            <p:nvSpPr>
-              <p:cNvPr id="10" name="TextBox 9">
-                <a:extLst>
-                  <a:ext uri="{FF2B5EF4-FFF2-40B4-BE49-F238E27FC236}">
-                    <a16:creationId xmlns:a16="http://schemas.microsoft.com/office/drawing/2014/main" id="{25F08AEA-029D-B7FD-D2F2-8CA0CAB35FFF}"/>
-                  </a:ext>
-                </a:extLst>
-              </p:cNvPr>
-              <p:cNvSpPr txBox="1">
-                <a:spLocks noRot="1" noChangeAspect="1" noMove="1" noResize="1" noEditPoints="1" noAdjustHandles="1" noChangeArrowheads="1" noChangeShapeType="1" noTextEdit="1"/>
-              </p:cNvSpPr>
-              <p:nvPr/>
-            </p:nvSpPr>
-            <p:spPr>
-              <a:xfrm>
-                <a:off x="5442654" y="5830127"/>
-                <a:ext cx="3473814" cy="695703"/>
-              </a:xfrm>
-              <a:prstGeom prst="rect">
-                <a:avLst/>
-              </a:prstGeom>
-              <a:blipFill>
-                <a:blip r:embed="rId7"/>
-                <a:stretch>
-                  <a:fillRect r="-364" b="-3509"/>
-                </a:stretch>
-              </a:blipFill>
-            </p:spPr>
-            <p:txBody>
-              <a:bodyPr/>
-              <a:lstStyle/>
-              <a:p>
-                <a:r>
-                  <a:rPr lang="en-US">
-                    <a:noFill/>
-                  </a:rPr>
-                  <a:t> </a:t>
-                </a:r>
-              </a:p>
-            </p:txBody>
-          </p:sp>
-        </mc:Fallback>
-      </mc:AlternateContent>
     </p:spTree>
   </p:cSld>
   <p:clrMapOvr>
@@ -3459,7 +2968,7 @@
                 </a:solidFill>
                 <a:cs typeface="OAGDQN+FranklinGothic-BookItalic"/>
               </a:rPr>
-              <a:t>30 subjects used in cortisol/DHEA analysis</a:t>
+              <a:t>One subject removed (multiple DHEA 5.205)</a:t>
             </a:r>
           </a:p>
           <a:p>
@@ -3772,7 +3281,7 @@
                 </a:solidFill>
                 <a:cs typeface="OAGDQN+FranklinGothic-BookItalic"/>
               </a:rPr>
-              <a:t>Linear Mixed Model w/ Random intercept </a:t>
+              <a:t>Linear Mixed Model w/ subject-specific random intercept </a:t>
             </a:r>
           </a:p>
           <a:p>
@@ -4419,7 +3928,7 @@
               <a:buChar char="Ø"/>
             </a:pPr>
             <a:r>
-              <a:rPr lang="en-US" sz="2000" spc="-25" dirty="0">
+              <a:rPr lang="en-US" sz="2000" b="1" u="sng" spc="-25" dirty="0">
                 <a:solidFill>
                   <a:srgbClr val="181A0D"/>
                 </a:solidFill>
@@ -4622,10 +4131,10 @@
       </p:sp>
       <p:pic>
         <p:nvPicPr>
-          <p:cNvPr id="17" name="Picture 16" descr="A graph of a cap on a white background&#10;&#10;AI-generated content may be incorrect.">
+          <p:cNvPr id="18" name="Picture 17">
             <a:extLst>
               <a:ext uri="{FF2B5EF4-FFF2-40B4-BE49-F238E27FC236}">
-                <a16:creationId xmlns:a16="http://schemas.microsoft.com/office/drawing/2014/main" id="{BE460B77-15FE-DABF-91DD-9F675E0F915D}"/>
+                <a16:creationId xmlns:a16="http://schemas.microsoft.com/office/drawing/2014/main" id="{6C6D17FF-C964-6915-FDFC-04F7FFFDC97A}"/>
               </a:ext>
             </a:extLst>
           </p:cNvPr>
@@ -4642,8 +4151,8 @@
         </p:blipFill>
         <p:spPr>
           <a:xfrm>
-            <a:off x="5447928" y="1002941"/>
-            <a:ext cx="6585378" cy="4659901"/>
+            <a:off x="5335821" y="1091079"/>
+            <a:ext cx="6768215" cy="4745107"/>
           </a:xfrm>
           <a:prstGeom prst="rect">
             <a:avLst/>
@@ -4790,7 +4299,7 @@
         </p:blipFill>
         <p:spPr>
           <a:xfrm>
-            <a:off x="5591944" y="1484784"/>
+            <a:off x="5807968" y="1484784"/>
             <a:ext cx="6262464" cy="4404370"/>
           </a:xfrm>
           <a:prstGeom prst="rect">
@@ -4812,8 +4321,8 @@
         </p:nvSpPr>
         <p:spPr>
           <a:xfrm>
-            <a:off x="875245" y="980779"/>
-            <a:ext cx="4392488" cy="10028386"/>
+            <a:off x="875244" y="980779"/>
+            <a:ext cx="4811155" cy="10028386"/>
           </a:xfrm>
           <a:prstGeom prst="rect">
             <a:avLst/>
@@ -4839,7 +4348,7 @@
               <a:buChar char="q"/>
             </a:pPr>
             <a:r>
-              <a:rPr lang="en-US" sz="1600" b="1" spc="-25" dirty="0">
+              <a:rPr lang="en-US" b="1" spc="-25" dirty="0">
                 <a:solidFill>
                   <a:srgbClr val="181A0D"/>
                 </a:solidFill>
@@ -4863,7 +4372,7 @@
               <a:buChar char="Ø"/>
             </a:pPr>
             <a:r>
-              <a:rPr lang="en-US" sz="1600" spc="-25" dirty="0">
+              <a:rPr lang="en-US" spc="-25" dirty="0">
                 <a:solidFill>
                   <a:srgbClr val="181A0D"/>
                 </a:solidFill>
@@ -4886,7 +4395,7 @@
               <a:buFont typeface="Wingdings" pitchFamily="2" charset="2"/>
               <a:buChar char="Ø"/>
             </a:pPr>
-            <a:endParaRPr lang="en-US" sz="1600" spc="-25" dirty="0">
+            <a:endParaRPr lang="en-US" spc="-25" dirty="0">
               <a:solidFill>
                 <a:srgbClr val="181A0D"/>
               </a:solidFill>
@@ -4902,7 +4411,7 @@
               <a:buChar char="Ø"/>
             </a:pPr>
             <a:r>
-              <a:rPr lang="en-US" sz="1600" spc="-25" dirty="0">
+              <a:rPr lang="en-US" spc="-25" dirty="0">
                 <a:solidFill>
                   <a:srgbClr val="181A0D"/>
                 </a:solidFill>
@@ -4912,7 +4421,7 @@
             </a:r>
           </a:p>
           <a:p>
-            <a:pPr marL="342900" marR="0" indent="-342900">
+            <a:pPr marR="0">
               <a:lnSpc>
                 <a:spcPts val="2258"/>
               </a:lnSpc>
@@ -4922,10 +4431,8 @@
               <a:spcAft>
                 <a:spcPts val="0"/>
               </a:spcAft>
-              <a:buFont typeface="Wingdings" pitchFamily="2" charset="2"/>
-              <a:buChar char="Ø"/>
-            </a:pPr>
-            <a:endParaRPr lang="en-US" sz="1600" spc="-25" dirty="0">
+            </a:pPr>
+            <a:endParaRPr lang="en-US" spc="-25" dirty="0">
               <a:solidFill>
                 <a:srgbClr val="181A0D"/>
               </a:solidFill>
@@ -4933,7 +4440,7 @@
             </a:endParaRPr>
           </a:p>
           <a:p>
-            <a:pPr marR="0">
+            <a:pPr marL="342900" marR="0" indent="-342900">
               <a:lnSpc>
                 <a:spcPts val="2258"/>
               </a:lnSpc>
@@ -4943,13 +4450,18 @@
               <a:spcAft>
                 <a:spcPts val="0"/>
               </a:spcAft>
-            </a:pPr>
-            <a:endParaRPr lang="en-US" sz="1600" spc="-25" dirty="0">
-              <a:solidFill>
-                <a:srgbClr val="181A0D"/>
-              </a:solidFill>
-              <a:cs typeface="OAGDQN+FranklinGothic-BookItalic"/>
-            </a:endParaRPr>
+              <a:buFont typeface="Wingdings" pitchFamily="2" charset="2"/>
+              <a:buChar char="q"/>
+            </a:pPr>
+            <a:r>
+              <a:rPr lang="en-US" b="1" spc="-25" dirty="0">
+                <a:solidFill>
+                  <a:srgbClr val="181A0D"/>
+                </a:solidFill>
+                <a:cs typeface="OAGDQN+FranklinGothic-BookItalic"/>
+              </a:rPr>
+              <a:t>DHEA Trends:</a:t>
+            </a:r>
           </a:p>
           <a:p>
             <a:pPr marL="342900" marR="0" indent="-342900">
@@ -4963,16 +4475,16 @@
                 <a:spcPts val="0"/>
               </a:spcAft>
               <a:buFont typeface="Wingdings" pitchFamily="2" charset="2"/>
-              <a:buChar char="q"/>
-            </a:pPr>
-            <a:r>
-              <a:rPr lang="en-US" sz="1600" b="1" spc="-25" dirty="0">
+              <a:buChar char="Ø"/>
+            </a:pPr>
+            <a:r>
+              <a:rPr lang="en-US" spc="-25" dirty="0">
                 <a:solidFill>
                   <a:srgbClr val="181A0D"/>
                 </a:solidFill>
                 <a:cs typeface="OAGDQN+FranklinGothic-BookItalic"/>
               </a:rPr>
-              <a:t>DHEA Trends:</a:t>
+              <a:t>On average, a subject’s DHEA levels decreased by 1.8% per minute (≈58% cumulatively) during the first 30min after waking (95% CI: -2.4% to -1.2%; p&lt;0.001).</a:t>
             </a:r>
           </a:p>
           <a:p>
@@ -4989,15 +4501,12 @@
               <a:buFont typeface="Wingdings" pitchFamily="2" charset="2"/>
               <a:buChar char="Ø"/>
             </a:pPr>
-            <a:r>
-              <a:rPr lang="en-US" sz="1600" spc="-25" dirty="0">
-                <a:solidFill>
-                  <a:srgbClr val="181A0D"/>
-                </a:solidFill>
-                <a:cs typeface="OAGDQN+FranklinGothic-BookItalic"/>
-              </a:rPr>
-              <a:t>On average, a subject’s DHEA levels decreased by 1.8% per minute (≈58% cumulatively) during the first 30min after waking (95% CI: -2.4% to -1.2%; p&lt;0.001).</a:t>
-            </a:r>
+            <a:endParaRPr lang="en-US" spc="-25" dirty="0">
+              <a:solidFill>
+                <a:srgbClr val="181A0D"/>
+              </a:solidFill>
+              <a:cs typeface="OAGDQN+FranklinGothic-BookItalic"/>
+            </a:endParaRPr>
           </a:p>
           <a:p>
             <a:pPr marL="342900" marR="0" indent="-342900">
@@ -5013,29 +4522,8 @@
               <a:buFont typeface="Wingdings" pitchFamily="2" charset="2"/>
               <a:buChar char="Ø"/>
             </a:pPr>
-            <a:endParaRPr lang="en-US" sz="1600" spc="-25" dirty="0">
-              <a:solidFill>
-                <a:srgbClr val="181A0D"/>
-              </a:solidFill>
-              <a:cs typeface="OAGDQN+FranklinGothic-BookItalic"/>
-            </a:endParaRPr>
-          </a:p>
-          <a:p>
-            <a:pPr marL="342900" marR="0" indent="-342900">
-              <a:lnSpc>
-                <a:spcPts val="2258"/>
-              </a:lnSpc>
-              <a:spcBef>
-                <a:spcPts val="0"/>
-              </a:spcBef>
-              <a:spcAft>
-                <a:spcPts val="0"/>
-              </a:spcAft>
-              <a:buFont typeface="Wingdings" pitchFamily="2" charset="2"/>
-              <a:buChar char="Ø"/>
-            </a:pPr>
-            <a:r>
-              <a:rPr lang="en-US" sz="1600" spc="-25" dirty="0">
+            <a:r>
+              <a:rPr lang="en-US" spc="-25" dirty="0">
                 <a:solidFill>
                   <a:srgbClr val="181A0D"/>
                 </a:solidFill>
@@ -5363,7 +4851,7 @@
             <a:avLst/>
           </a:prstGeom>
           <a:blipFill>
-            <a:blip r:embed="rId2" cstate="print"/>
+            <a:blip r:embed="rId3" cstate="print"/>
             <a:stretch>
               <a:fillRect/>
             </a:stretch>
@@ -5444,7 +4932,7 @@
         <p:spPr>
           <a:xfrm>
             <a:off x="1415480" y="901849"/>
-            <a:ext cx="10297144" cy="7373813"/>
+            <a:ext cx="10297144" cy="7078861"/>
           </a:xfrm>
           <a:prstGeom prst="rect">
             <a:avLst/>
@@ -5587,17 +5075,33 @@
                 </a:solidFill>
                 <a:cs typeface="OAGDQN+FranklinGothic-BookItalic"/>
               </a:rPr>
-              <a:t>Cortisol levels rose after waking and declined throughout the day, while DHEA declined early and continued to decrease throughout day</a:t>
-            </a:r>
-          </a:p>
-          <a:p>
-            <a:pPr marL="1257300" lvl="2" indent="-342900">
+              <a:t>Cortisol and DHEA concentrations collected using booklet showed expected patterns</a:t>
+            </a:r>
+          </a:p>
+          <a:p>
+            <a:pPr marL="800100" lvl="1" indent="-342900">
               <a:lnSpc>
                 <a:spcPts val="2258"/>
               </a:lnSpc>
               <a:buFont typeface="Wingdings" pitchFamily="2" charset="2"/>
               <a:buChar char="Ø"/>
             </a:pPr>
+            <a:r>
+              <a:rPr lang="en-US" sz="2000" spc="-25" dirty="0">
+                <a:solidFill>
+                  <a:srgbClr val="181A0D"/>
+                </a:solidFill>
+                <a:cs typeface="OAGDQN+FranklinGothic-BookItalic"/>
+              </a:rPr>
+              <a:t>Prior literature has noted an inverse relationship (Ahmed et al 2023)</a:t>
+            </a:r>
+          </a:p>
+          <a:p>
+            <a:pPr lvl="1">
+              <a:lnSpc>
+                <a:spcPts val="2258"/>
+              </a:lnSpc>
+            </a:pPr>
             <a:endParaRPr lang="en-US" sz="2000" spc="-25" dirty="0">
               <a:solidFill>
                 <a:srgbClr val="181A0D"/>
@@ -5620,6 +5124,39 @@
                 </a:solidFill>
                 <a:cs typeface="OAGDQN+FranklinGothic-BookItalic"/>
               </a:rPr>
+              <a:t>Overall, despite some timing biases and variable adherence, the SPIT booklet appears to have the ability to capture expected diurnal patterns</a:t>
+            </a:r>
+          </a:p>
+          <a:p>
+            <a:pPr marL="800100" lvl="1" indent="-342900">
+              <a:lnSpc>
+                <a:spcPts val="2258"/>
+              </a:lnSpc>
+              <a:buFont typeface="Wingdings" pitchFamily="2" charset="2"/>
+              <a:buChar char="q"/>
+            </a:pPr>
+            <a:endParaRPr lang="en-US" sz="2000" spc="-25" dirty="0">
+              <a:solidFill>
+                <a:srgbClr val="181A0D"/>
+              </a:solidFill>
+              <a:cs typeface="OAGDQN+FranklinGothic-BookItalic"/>
+            </a:endParaRPr>
+          </a:p>
+          <a:p>
+            <a:pPr marL="342900" indent="-342900">
+              <a:lnSpc>
+                <a:spcPts val="2258"/>
+              </a:lnSpc>
+              <a:buFont typeface="Wingdings" pitchFamily="2" charset="2"/>
+              <a:buChar char="q"/>
+            </a:pPr>
+            <a:r>
+              <a:rPr lang="en-US" sz="2000" b="1" spc="-25" dirty="0">
+                <a:solidFill>
+                  <a:srgbClr val="181A0D"/>
+                </a:solidFill>
+                <a:cs typeface="OAGDQN+FranklinGothic-BookItalic"/>
+              </a:rPr>
               <a:t>Limitations:</a:t>
             </a:r>
           </a:p>
@@ -5658,52 +5195,6 @@
               </a:rPr>
               <a:t>Simple linear mixed model is limited in that it can’t capture specific collection sample variability</a:t>
             </a:r>
-          </a:p>
-          <a:p>
-            <a:pPr lvl="1">
-              <a:lnSpc>
-                <a:spcPts val="2258"/>
-              </a:lnSpc>
-            </a:pPr>
-            <a:endParaRPr lang="en-US" sz="2000" spc="-25" dirty="0">
-              <a:solidFill>
-                <a:srgbClr val="181A0D"/>
-              </a:solidFill>
-              <a:cs typeface="OAGDQN+FranklinGothic-BookItalic"/>
-            </a:endParaRPr>
-          </a:p>
-          <a:p>
-            <a:pPr marL="342900" indent="-342900">
-              <a:lnSpc>
-                <a:spcPts val="2258"/>
-              </a:lnSpc>
-              <a:buFont typeface="Wingdings" pitchFamily="2" charset="2"/>
-              <a:buChar char="q"/>
-            </a:pPr>
-            <a:r>
-              <a:rPr lang="en-US" sz="2000" spc="-25" dirty="0">
-                <a:solidFill>
-                  <a:srgbClr val="181A0D"/>
-                </a:solidFill>
-                <a:cs typeface="OAGDQN+FranklinGothic-BookItalic"/>
-              </a:rPr>
-              <a:t>Overall, despite some timing biases and variable adherence, the novel monitoring device appears to have the ability to capture expected diurnal patterns</a:t>
-            </a:r>
-          </a:p>
-          <a:p>
-            <a:pPr marL="800100" lvl="1" indent="-342900">
-              <a:lnSpc>
-                <a:spcPts val="2258"/>
-              </a:lnSpc>
-              <a:buFont typeface="Wingdings" pitchFamily="2" charset="2"/>
-              <a:buChar char="q"/>
-            </a:pPr>
-            <a:endParaRPr lang="en-US" sz="2000" spc="-25" dirty="0">
-              <a:solidFill>
-                <a:srgbClr val="181A0D"/>
-              </a:solidFill>
-              <a:cs typeface="OAGDQN+FranklinGothic-BookItalic"/>
-            </a:endParaRPr>
           </a:p>
           <a:p>
             <a:pPr marL="342900" indent="-342900">
@@ -5822,6 +5313,281 @@
         </p:txBody>
       </p:sp>
     </p:spTree>
+  </p:cSld>
+  <p:clrMapOvr>
+    <a:masterClrMapping/>
+  </p:clrMapOvr>
+</p:sld>
+</file>
+
+<file path=ppt/slides/slide8.xml><?xml version="1.0" encoding="utf-8"?>
+<p:sld xmlns:a="http://schemas.openxmlformats.org/drawingml/2006/main" xmlns:r="http://schemas.openxmlformats.org/officeDocument/2006/relationships" xmlns:p="http://schemas.openxmlformats.org/presentationml/2006/main">
+  <p:cSld>
+    <p:spTree>
+      <p:nvGrpSpPr>
+        <p:cNvPr id="1" name="">
+          <a:extLst>
+            <a:ext uri="{FF2B5EF4-FFF2-40B4-BE49-F238E27FC236}">
+              <a16:creationId xmlns:a16="http://schemas.microsoft.com/office/drawing/2014/main" id="{73003DC2-CF9F-CA79-6D3D-12DCFAE83344}"/>
+            </a:ext>
+          </a:extLst>
+        </p:cNvPr>
+        <p:cNvGrpSpPr/>
+        <p:nvPr/>
+      </p:nvGrpSpPr>
+      <p:grpSpPr>
+        <a:xfrm>
+          <a:off x="0" y="0"/>
+          <a:ext cx="0" cy="0"/>
+          <a:chOff x="0" y="0"/>
+          <a:chExt cx="0" cy="0"/>
+        </a:xfrm>
+      </p:grpSpPr>
+      <p:sp>
+        <p:nvSpPr>
+          <p:cNvPr id="2" name="object 1">
+            <a:extLst>
+              <a:ext uri="{FF2B5EF4-FFF2-40B4-BE49-F238E27FC236}">
+                <a16:creationId xmlns:a16="http://schemas.microsoft.com/office/drawing/2014/main" id="{99ED8D57-1F34-9003-81A0-F704B27644DF}"/>
+              </a:ext>
+            </a:extLst>
+          </p:cNvPr>
+          <p:cNvSpPr/>
+          <p:nvPr/>
+        </p:nvSpPr>
+        <p:spPr>
+          <a:xfrm>
+            <a:off x="0" y="0"/>
+            <a:ext cx="12192000" cy="6858000"/>
+          </a:xfrm>
+          <a:prstGeom prst="rect">
+            <a:avLst/>
+          </a:prstGeom>
+          <a:blipFill>
+            <a:blip r:embed="rId3" cstate="print"/>
+            <a:stretch>
+              <a:fillRect/>
+            </a:stretch>
+          </a:blipFill>
+        </p:spPr>
+        <p:txBody>
+          <a:bodyPr wrap="square" lIns="0" tIns="0" rIns="0" bIns="0" rtlCol="0">
+            <a:spAutoFit/>
+          </a:bodyPr>
+          <a:lstStyle/>
+          <a:p>
+            <a:endParaRPr/>
+          </a:p>
+        </p:txBody>
+      </p:sp>
+      <p:sp>
+        <p:nvSpPr>
+          <p:cNvPr id="3" name="object 3">
+            <a:extLst>
+              <a:ext uri="{FF2B5EF4-FFF2-40B4-BE49-F238E27FC236}">
+                <a16:creationId xmlns:a16="http://schemas.microsoft.com/office/drawing/2014/main" id="{C7F752AE-E089-9B2B-064D-E8A303D80E83}"/>
+              </a:ext>
+            </a:extLst>
+          </p:cNvPr>
+          <p:cNvSpPr txBox="1"/>
+          <p:nvPr/>
+        </p:nvSpPr>
+        <p:spPr>
+          <a:xfrm>
+            <a:off x="1343472" y="260648"/>
+            <a:ext cx="2704871" cy="641201"/>
+          </a:xfrm>
+          <a:prstGeom prst="rect">
+            <a:avLst/>
+          </a:prstGeom>
+        </p:spPr>
+        <p:txBody>
+          <a:bodyPr vert="horz" wrap="square" lIns="0" tIns="0" rIns="0" bIns="0" rtlCol="0">
+            <a:spAutoFit/>
+          </a:bodyPr>
+          <a:lstStyle/>
+          <a:p>
+            <a:pPr marL="0" marR="0">
+              <a:lnSpc>
+                <a:spcPts val="4979"/>
+              </a:lnSpc>
+              <a:spcBef>
+                <a:spcPts val="0"/>
+              </a:spcBef>
+              <a:spcAft>
+                <a:spcPts val="0"/>
+              </a:spcAft>
+            </a:pPr>
+            <a:r>
+              <a:rPr lang="en-US" sz="4400" dirty="0">
+                <a:solidFill>
+                  <a:srgbClr val="181A0D"/>
+                </a:solidFill>
+                <a:cs typeface="LVLFDH+FranklinGothic-Book"/>
+              </a:rPr>
+              <a:t>References</a:t>
+            </a:r>
+            <a:endParaRPr sz="4400" dirty="0">
+              <a:solidFill>
+                <a:srgbClr val="181A0D"/>
+              </a:solidFill>
+              <a:cs typeface="LVLFDH+FranklinGothic-Book"/>
+            </a:endParaRPr>
+          </a:p>
+        </p:txBody>
+      </p:sp>
+      <p:sp>
+        <p:nvSpPr>
+          <p:cNvPr id="5" name="object 4">
+            <a:extLst>
+              <a:ext uri="{FF2B5EF4-FFF2-40B4-BE49-F238E27FC236}">
+                <a16:creationId xmlns:a16="http://schemas.microsoft.com/office/drawing/2014/main" id="{42F70592-F08B-36EB-C38D-3C800CE33BB0}"/>
+              </a:ext>
+            </a:extLst>
+          </p:cNvPr>
+          <p:cNvSpPr txBox="1"/>
+          <p:nvPr/>
+        </p:nvSpPr>
+        <p:spPr>
+          <a:xfrm>
+            <a:off x="1415480" y="901849"/>
+            <a:ext cx="10297144" cy="2064668"/>
+          </a:xfrm>
+          <a:prstGeom prst="rect">
+            <a:avLst/>
+          </a:prstGeom>
+        </p:spPr>
+        <p:txBody>
+          <a:bodyPr vert="horz" wrap="square" lIns="0" tIns="0" rIns="0" bIns="0" rtlCol="0">
+            <a:spAutoFit/>
+          </a:bodyPr>
+          <a:lstStyle/>
+          <a:p>
+            <a:pPr marR="0">
+              <a:lnSpc>
+                <a:spcPts val="2258"/>
+              </a:lnSpc>
+              <a:spcBef>
+                <a:spcPts val="0"/>
+              </a:spcBef>
+              <a:spcAft>
+                <a:spcPts val="0"/>
+              </a:spcAft>
+            </a:pPr>
+            <a:endParaRPr lang="en-US" sz="2000" spc="-25" dirty="0">
+              <a:solidFill>
+                <a:srgbClr val="181A0D"/>
+              </a:solidFill>
+              <a:cs typeface="OAGDQN+FranklinGothic-BookItalic"/>
+            </a:endParaRPr>
+          </a:p>
+          <a:p>
+            <a:pPr marL="342900" indent="-342900">
+              <a:lnSpc>
+                <a:spcPts val="2258"/>
+              </a:lnSpc>
+              <a:buFont typeface="Wingdings" pitchFamily="2" charset="2"/>
+              <a:buChar char="q"/>
+            </a:pPr>
+            <a:r>
+              <a:rPr lang="en-US" dirty="0"/>
+              <a:t>Ahmed, T., Qassem, M., &amp; Kyriacou, P. A. (2023). Measuring stress: a review of the current cortisol and dehydroepiandrosterone (DHEA) measurement techniques and considerations for the future of mental health monitoring. </a:t>
+            </a:r>
+            <a:r>
+              <a:rPr lang="en-US" i="1" dirty="0"/>
+              <a:t>Stress</a:t>
+            </a:r>
+            <a:r>
+              <a:rPr lang="en-US" dirty="0"/>
+              <a:t>, </a:t>
+            </a:r>
+            <a:r>
+              <a:rPr lang="en-US" i="1" dirty="0"/>
+              <a:t>26</a:t>
+            </a:r>
+            <a:r>
+              <a:rPr lang="en-US" dirty="0"/>
+              <a:t>(1), 29–42. </a:t>
+            </a:r>
+            <a:r>
+              <a:rPr lang="en-US" u="sng" dirty="0">
+                <a:hlinkClick r:id="rId4"/>
+              </a:rPr>
+              <a:t>https://doi.org/10.1080/10253890.2022.2164187</a:t>
+            </a:r>
+            <a:endParaRPr lang="en-US" dirty="0"/>
+          </a:p>
+          <a:p>
+            <a:pPr marL="342900" marR="0" indent="-342900">
+              <a:lnSpc>
+                <a:spcPts val="2258"/>
+              </a:lnSpc>
+              <a:spcBef>
+                <a:spcPts val="0"/>
+              </a:spcBef>
+              <a:spcAft>
+                <a:spcPts val="0"/>
+              </a:spcAft>
+              <a:buFont typeface="Wingdings" pitchFamily="2" charset="2"/>
+              <a:buChar char="q"/>
+            </a:pPr>
+            <a:endParaRPr lang="en-US" sz="2000" spc="-25" dirty="0">
+              <a:solidFill>
+                <a:srgbClr val="181A0D"/>
+              </a:solidFill>
+              <a:cs typeface="OAGDQN+FranklinGothic-BookItalic"/>
+            </a:endParaRPr>
+          </a:p>
+          <a:p>
+            <a:pPr marL="342900" marR="0" indent="-342900">
+              <a:lnSpc>
+                <a:spcPts val="2258"/>
+              </a:lnSpc>
+              <a:spcBef>
+                <a:spcPts val="0"/>
+              </a:spcBef>
+              <a:spcAft>
+                <a:spcPts val="0"/>
+              </a:spcAft>
+              <a:buFont typeface="Wingdings" pitchFamily="2" charset="2"/>
+              <a:buChar char="q"/>
+            </a:pPr>
+            <a:endParaRPr lang="en-US" sz="2000" spc="-25" dirty="0">
+              <a:solidFill>
+                <a:srgbClr val="181A0D"/>
+              </a:solidFill>
+              <a:cs typeface="OAGDQN+FranklinGothic-BookItalic"/>
+            </a:endParaRPr>
+          </a:p>
+          <a:p>
+            <a:pPr marL="342900" marR="0" indent="-342900">
+              <a:lnSpc>
+                <a:spcPts val="2258"/>
+              </a:lnSpc>
+              <a:spcBef>
+                <a:spcPts val="0"/>
+              </a:spcBef>
+              <a:spcAft>
+                <a:spcPts val="0"/>
+              </a:spcAft>
+              <a:buFont typeface="Wingdings" pitchFamily="2" charset="2"/>
+              <a:buChar char="q"/>
+            </a:pPr>
+            <a:endParaRPr sz="2000" spc="-25" dirty="0">
+              <a:solidFill>
+                <a:srgbClr val="181A0D"/>
+              </a:solidFill>
+              <a:cs typeface="OAGDQN+FranklinGothic-BookItalic"/>
+            </a:endParaRPr>
+          </a:p>
+        </p:txBody>
+      </p:sp>
+    </p:spTree>
+    <p:extLst>
+      <p:ext uri="{BB962C8B-B14F-4D97-AF65-F5344CB8AC3E}">
+        <p14:creationId xmlns:p14="http://schemas.microsoft.com/office/powerpoint/2010/main" val="3715589659"/>
+      </p:ext>
+    </p:extLst>
   </p:cSld>
   <p:clrMapOvr>
     <a:masterClrMapping/>
